--- a/BBXPresentation.pptx
+++ b/BBXPresentation.pptx
@@ -7,8 +7,11 @@
   <p:sldIdLst>
     <p:sldId id="256" r:id="rId2"/>
     <p:sldId id="257" r:id="rId3"/>
-    <p:sldId id="258" r:id="rId4"/>
-    <p:sldId id="259" r:id="rId5"/>
+    <p:sldId id="260" r:id="rId4"/>
+    <p:sldId id="261" r:id="rId5"/>
+    <p:sldId id="262" r:id="rId6"/>
+    <p:sldId id="258" r:id="rId7"/>
+    <p:sldId id="259" r:id="rId8"/>
   </p:sldIdLst>
   <p:sldSz cx="12192000" cy="6858000"/>
   <p:notesSz cx="6858000" cy="9144000"/>
@@ -8135,9 +8138,2140 @@
           <a:chExt cx="0" cy="0"/>
         </a:xfrm>
       </p:grpSpPr>
+      <p:sp useBgFill="1">
+        <p:nvSpPr>
+          <p:cNvPr id="8" name="Rectangle 7">
+            <a:extLst>
+              <a:ext uri="{FF2B5EF4-FFF2-40B4-BE49-F238E27FC236}">
+                <a16:creationId xmlns:a16="http://schemas.microsoft.com/office/drawing/2014/main" id="{745DEEED-BE3A-4307-800A-45F555B51C2E}"/>
+              </a:ext>
+              <a:ext uri="{C183D7F6-B498-43B3-948B-1728B52AA6E4}">
+                <adec:decorative xmlns:adec="http://schemas.microsoft.com/office/drawing/2017/decorative" val="1"/>
+              </a:ext>
+            </a:extLst>
+          </p:cNvPr>
+          <p:cNvSpPr>
+            <a:spLocks noGrp="1" noRot="1" noChangeAspect="1" noMove="1" noResize="1" noEditPoints="1" noAdjustHandles="1" noChangeArrowheads="1" noChangeShapeType="1" noTextEdit="1"/>
+          </p:cNvSpPr>
+          <p:nvPr>
+            <p:extLst>
+              <p:ext uri="{386F3935-93C4-4BCD-93E2-E3B085C9AB24}">
+                <p16:designElem xmlns:p16="http://schemas.microsoft.com/office/powerpoint/2015/main" val="1"/>
+              </p:ext>
+            </p:extLst>
+          </p:nvPr>
+        </p:nvSpPr>
+        <p:spPr>
+          <a:xfrm>
+            <a:off x="0" y="0"/>
+            <a:ext cx="12188952" cy="6858000"/>
+          </a:xfrm>
+          <a:prstGeom prst="rect">
+            <a:avLst/>
+          </a:prstGeom>
+          <a:ln>
+            <a:noFill/>
+          </a:ln>
+        </p:spPr>
+        <p:style>
+          <a:lnRef idx="2">
+            <a:schemeClr val="accent1">
+              <a:shade val="50000"/>
+            </a:schemeClr>
+          </a:lnRef>
+          <a:fillRef idx="1">
+            <a:schemeClr val="accent1"/>
+          </a:fillRef>
+          <a:effectRef idx="0">
+            <a:schemeClr val="accent1"/>
+          </a:effectRef>
+          <a:fontRef idx="minor">
+            <a:schemeClr val="lt1"/>
+          </a:fontRef>
+        </p:style>
+        <p:txBody>
+          <a:bodyPr rtlCol="0" anchor="ctr"/>
+          <a:lstStyle/>
+          <a:p>
+            <a:pPr algn="ctr"/>
+            <a:endParaRPr lang="en-US"/>
+          </a:p>
+        </p:txBody>
+      </p:sp>
       <p:sp>
         <p:nvSpPr>
-          <p:cNvPr id="40" name="Rectangle 6">
+          <p:cNvPr id="10" name="Freeform: Shape 9">
+            <a:extLst>
+              <a:ext uri="{FF2B5EF4-FFF2-40B4-BE49-F238E27FC236}">
+                <a16:creationId xmlns:a16="http://schemas.microsoft.com/office/drawing/2014/main" id="{F5C73706-35AD-4797-B796-D806B8FE5A35}"/>
+              </a:ext>
+              <a:ext uri="{C183D7F6-B498-43B3-948B-1728B52AA6E4}">
+                <adec:decorative xmlns:adec="http://schemas.microsoft.com/office/drawing/2017/decorative" val="1"/>
+              </a:ext>
+            </a:extLst>
+          </p:cNvPr>
+          <p:cNvSpPr>
+            <a:spLocks noGrp="1" noRot="1" noChangeAspect="1" noMove="1" noResize="1" noEditPoints="1" noAdjustHandles="1" noChangeArrowheads="1" noChangeShapeType="1" noTextEdit="1"/>
+          </p:cNvSpPr>
+          <p:nvPr>
+            <p:extLst>
+              <p:ext uri="{386F3935-93C4-4BCD-93E2-E3B085C9AB24}">
+                <p16:designElem xmlns:p16="http://schemas.microsoft.com/office/powerpoint/2015/main" val="1"/>
+              </p:ext>
+            </p:extLst>
+          </p:nvPr>
+        </p:nvSpPr>
+        <p:spPr>
+          <a:xfrm flipH="1">
+            <a:off x="-1" y="0"/>
+            <a:ext cx="5006297" cy="6858000"/>
+          </a:xfrm>
+          <a:custGeom>
+            <a:avLst/>
+            <a:gdLst>
+              <a:gd name="connsiteX0" fmla="*/ 5006297 w 5006297"/>
+              <a:gd name="connsiteY0" fmla="*/ 0 h 6858000"/>
+              <a:gd name="connsiteX1" fmla="*/ 1229608 w 5006297"/>
+              <a:gd name="connsiteY1" fmla="*/ 0 h 6858000"/>
+              <a:gd name="connsiteX2" fmla="*/ 1128285 w 5006297"/>
+              <a:gd name="connsiteY2" fmla="*/ 156518 h 6858000"/>
+              <a:gd name="connsiteX3" fmla="*/ 768782 w 5006297"/>
+              <a:gd name="connsiteY3" fmla="*/ 825746 h 6858000"/>
+              <a:gd name="connsiteX4" fmla="*/ 743290 w 5006297"/>
+              <a:gd name="connsiteY4" fmla="*/ 860183 h 6858000"/>
+              <a:gd name="connsiteX5" fmla="*/ 787138 w 5006297"/>
+              <a:gd name="connsiteY5" fmla="*/ 756243 h 6858000"/>
+              <a:gd name="connsiteX6" fmla="*/ 980544 w 5006297"/>
+              <a:gd name="connsiteY6" fmla="*/ 339016 h 6858000"/>
+              <a:gd name="connsiteX7" fmla="*/ 1161966 w 5006297"/>
+              <a:gd name="connsiteY7" fmla="*/ 0 h 6858000"/>
+              <a:gd name="connsiteX8" fmla="*/ 1104491 w 5006297"/>
+              <a:gd name="connsiteY8" fmla="*/ 0 h 6858000"/>
+              <a:gd name="connsiteX9" fmla="*/ 993044 w 5006297"/>
+              <a:gd name="connsiteY9" fmla="*/ 204247 h 6858000"/>
+              <a:gd name="connsiteX10" fmla="*/ 494731 w 5006297"/>
+              <a:gd name="connsiteY10" fmla="*/ 1375322 h 6858000"/>
+              <a:gd name="connsiteX11" fmla="*/ 46559 w 5006297"/>
+              <a:gd name="connsiteY11" fmla="*/ 3329787 h 6858000"/>
+              <a:gd name="connsiteX12" fmla="*/ 12272 w 5006297"/>
+              <a:gd name="connsiteY12" fmla="*/ 4352595 h 6858000"/>
+              <a:gd name="connsiteX13" fmla="*/ 171094 w 5006297"/>
+              <a:gd name="connsiteY13" fmla="*/ 5544543 h 6858000"/>
+              <a:gd name="connsiteX14" fmla="*/ 538125 w 5006297"/>
+              <a:gd name="connsiteY14" fmla="*/ 6816123 h 6858000"/>
+              <a:gd name="connsiteX15" fmla="*/ 555724 w 5006297"/>
+              <a:gd name="connsiteY15" fmla="*/ 6858000 h 6858000"/>
+              <a:gd name="connsiteX16" fmla="*/ 608303 w 5006297"/>
+              <a:gd name="connsiteY16" fmla="*/ 6858000 h 6858000"/>
+              <a:gd name="connsiteX17" fmla="*/ 596366 w 5006297"/>
+              <a:gd name="connsiteY17" fmla="*/ 6829337 h 6858000"/>
+              <a:gd name="connsiteX18" fmla="*/ 364843 w 5006297"/>
+              <a:gd name="connsiteY18" fmla="*/ 6132604 h 6858000"/>
+              <a:gd name="connsiteX19" fmla="*/ 213412 w 5006297"/>
+              <a:gd name="connsiteY19" fmla="*/ 5505676 h 6858000"/>
+              <a:gd name="connsiteX20" fmla="*/ 211628 w 5006297"/>
+              <a:gd name="connsiteY20" fmla="*/ 5472254 h 6858000"/>
+              <a:gd name="connsiteX21" fmla="*/ 311945 w 5006297"/>
+              <a:gd name="connsiteY21" fmla="*/ 5821167 h 6858000"/>
+              <a:gd name="connsiteX22" fmla="*/ 623960 w 5006297"/>
+              <a:gd name="connsiteY22" fmla="*/ 6658826 h 6858000"/>
+              <a:gd name="connsiteX23" fmla="*/ 717350 w 5006297"/>
+              <a:gd name="connsiteY23" fmla="*/ 6858000 h 6858000"/>
+              <a:gd name="connsiteX24" fmla="*/ 5006297 w 5006297"/>
+              <a:gd name="connsiteY24" fmla="*/ 6858000 h 6858000"/>
+            </a:gdLst>
+            <a:ahLst/>
+            <a:cxnLst>
+              <a:cxn ang="0">
+                <a:pos x="connsiteX0" y="connsiteY0"/>
+              </a:cxn>
+              <a:cxn ang="0">
+                <a:pos x="connsiteX1" y="connsiteY1"/>
+              </a:cxn>
+              <a:cxn ang="0">
+                <a:pos x="connsiteX2" y="connsiteY2"/>
+              </a:cxn>
+              <a:cxn ang="0">
+                <a:pos x="connsiteX3" y="connsiteY3"/>
+              </a:cxn>
+              <a:cxn ang="0">
+                <a:pos x="connsiteX4" y="connsiteY4"/>
+              </a:cxn>
+              <a:cxn ang="0">
+                <a:pos x="connsiteX5" y="connsiteY5"/>
+              </a:cxn>
+              <a:cxn ang="0">
+                <a:pos x="connsiteX6" y="connsiteY6"/>
+              </a:cxn>
+              <a:cxn ang="0">
+                <a:pos x="connsiteX7" y="connsiteY7"/>
+              </a:cxn>
+              <a:cxn ang="0">
+                <a:pos x="connsiteX8" y="connsiteY8"/>
+              </a:cxn>
+              <a:cxn ang="0">
+                <a:pos x="connsiteX9" y="connsiteY9"/>
+              </a:cxn>
+              <a:cxn ang="0">
+                <a:pos x="connsiteX10" y="connsiteY10"/>
+              </a:cxn>
+              <a:cxn ang="0">
+                <a:pos x="connsiteX11" y="connsiteY11"/>
+              </a:cxn>
+              <a:cxn ang="0">
+                <a:pos x="connsiteX12" y="connsiteY12"/>
+              </a:cxn>
+              <a:cxn ang="0">
+                <a:pos x="connsiteX13" y="connsiteY13"/>
+              </a:cxn>
+              <a:cxn ang="0">
+                <a:pos x="connsiteX14" y="connsiteY14"/>
+              </a:cxn>
+              <a:cxn ang="0">
+                <a:pos x="connsiteX15" y="connsiteY15"/>
+              </a:cxn>
+              <a:cxn ang="0">
+                <a:pos x="connsiteX16" y="connsiteY16"/>
+              </a:cxn>
+              <a:cxn ang="0">
+                <a:pos x="connsiteX17" y="connsiteY17"/>
+              </a:cxn>
+              <a:cxn ang="0">
+                <a:pos x="connsiteX18" y="connsiteY18"/>
+              </a:cxn>
+              <a:cxn ang="0">
+                <a:pos x="connsiteX19" y="connsiteY19"/>
+              </a:cxn>
+              <a:cxn ang="0">
+                <a:pos x="connsiteX20" y="connsiteY20"/>
+              </a:cxn>
+              <a:cxn ang="0">
+                <a:pos x="connsiteX21" y="connsiteY21"/>
+              </a:cxn>
+              <a:cxn ang="0">
+                <a:pos x="connsiteX22" y="connsiteY22"/>
+              </a:cxn>
+              <a:cxn ang="0">
+                <a:pos x="connsiteX23" y="connsiteY23"/>
+              </a:cxn>
+              <a:cxn ang="0">
+                <a:pos x="connsiteX24" y="connsiteY24"/>
+              </a:cxn>
+            </a:cxnLst>
+            <a:rect l="l" t="t" r="r" b="b"/>
+            <a:pathLst>
+              <a:path w="5006297" h="6858000">
+                <a:moveTo>
+                  <a:pt x="5006297" y="0"/>
+                </a:moveTo>
+                <a:lnTo>
+                  <a:pt x="1229608" y="0"/>
+                </a:lnTo>
+                <a:lnTo>
+                  <a:pt x="1128285" y="156518"/>
+                </a:lnTo>
+                <a:cubicBezTo>
+                  <a:pt x="996915" y="372642"/>
+                  <a:pt x="877575" y="596029"/>
+                  <a:pt x="768782" y="825746"/>
+                </a:cubicBezTo>
+                <a:cubicBezTo>
+                  <a:pt x="763429" y="839224"/>
+                  <a:pt x="754646" y="851089"/>
+                  <a:pt x="743290" y="860183"/>
+                </a:cubicBezTo>
+                <a:cubicBezTo>
+                  <a:pt x="757948" y="825621"/>
+                  <a:pt x="772224" y="790805"/>
+                  <a:pt x="787138" y="756243"/>
+                </a:cubicBezTo>
+                <a:cubicBezTo>
+                  <a:pt x="848067" y="615114"/>
+                  <a:pt x="912406" y="475964"/>
+                  <a:pt x="980544" y="339016"/>
+                </a:cubicBezTo>
+                <a:lnTo>
+                  <a:pt x="1161966" y="0"/>
+                </a:lnTo>
+                <a:lnTo>
+                  <a:pt x="1104491" y="0"/>
+                </a:lnTo>
+                <a:lnTo>
+                  <a:pt x="993044" y="204247"/>
+                </a:lnTo>
+                <a:cubicBezTo>
+                  <a:pt x="798291" y="579761"/>
+                  <a:pt x="634561" y="971401"/>
+                  <a:pt x="494731" y="1375322"/>
+                </a:cubicBezTo>
+                <a:cubicBezTo>
+                  <a:pt x="277072" y="2009491"/>
+                  <a:pt x="126862" y="2664550"/>
+                  <a:pt x="46559" y="3329787"/>
+                </a:cubicBezTo>
+                <a:cubicBezTo>
+                  <a:pt x="4496" y="3670216"/>
+                  <a:pt x="-14242" y="4010141"/>
+                  <a:pt x="12272" y="4352595"/>
+                </a:cubicBezTo>
+                <a:cubicBezTo>
+                  <a:pt x="43627" y="4752907"/>
+                  <a:pt x="90918" y="5150814"/>
+                  <a:pt x="171094" y="5544543"/>
+                </a:cubicBezTo>
+                <a:cubicBezTo>
+                  <a:pt x="259524" y="5979227"/>
+                  <a:pt x="379573" y="6403657"/>
+                  <a:pt x="538125" y="6816123"/>
+                </a:cubicBezTo>
+                <a:lnTo>
+                  <a:pt x="555724" y="6858000"/>
+                </a:lnTo>
+                <a:lnTo>
+                  <a:pt x="608303" y="6858000"/>
+                </a:lnTo>
+                <a:lnTo>
+                  <a:pt x="596366" y="6829337"/>
+                </a:lnTo>
+                <a:cubicBezTo>
+                  <a:pt x="508696" y="6602484"/>
+                  <a:pt x="431985" y="6369981"/>
+                  <a:pt x="364843" y="6132604"/>
+                </a:cubicBezTo>
+                <a:cubicBezTo>
+                  <a:pt x="306463" y="5925865"/>
+                  <a:pt x="263378" y="5714822"/>
+                  <a:pt x="213412" y="5505676"/>
+                </a:cubicBezTo>
+                <a:cubicBezTo>
+                  <a:pt x="212231" y="5494574"/>
+                  <a:pt x="211637" y="5483421"/>
+                  <a:pt x="211628" y="5472254"/>
+                </a:cubicBezTo>
+                <a:cubicBezTo>
+                  <a:pt x="248210" y="5599108"/>
+                  <a:pt x="277401" y="5710897"/>
+                  <a:pt x="311945" y="5821167"/>
+                </a:cubicBezTo>
+                <a:cubicBezTo>
+                  <a:pt x="401999" y="6108329"/>
+                  <a:pt x="505868" y="6387643"/>
+                  <a:pt x="623960" y="6658826"/>
+                </a:cubicBezTo>
+                <a:lnTo>
+                  <a:pt x="717350" y="6858000"/>
+                </a:lnTo>
+                <a:lnTo>
+                  <a:pt x="5006297" y="6858000"/>
+                </a:lnTo>
+                <a:close/>
+              </a:path>
+            </a:pathLst>
+          </a:custGeom>
+          <a:solidFill>
+            <a:srgbClr val="E78129"/>
+          </a:solidFill>
+          <a:ln w="6857" cap="flat">
+            <a:noFill/>
+            <a:prstDash val="solid"/>
+            <a:miter/>
+          </a:ln>
+        </p:spPr>
+        <p:txBody>
+          <a:bodyPr wrap="square" rtlCol="0" anchor="ctr">
+            <a:noAutofit/>
+          </a:bodyPr>
+          <a:lstStyle/>
+          <a:p>
+            <a:endParaRPr lang="en-US"/>
+          </a:p>
+        </p:txBody>
+      </p:sp>
+      <p:sp>
+        <p:nvSpPr>
+          <p:cNvPr id="2" name="Title 1">
+            <a:extLst>
+              <a:ext uri="{FF2B5EF4-FFF2-40B4-BE49-F238E27FC236}">
+                <a16:creationId xmlns:a16="http://schemas.microsoft.com/office/drawing/2014/main" id="{0BDE97B7-5BD9-BE45-AFB0-7FB7AEF52EEE}"/>
+              </a:ext>
+            </a:extLst>
+          </p:cNvPr>
+          <p:cNvSpPr>
+            <a:spLocks noGrp="1"/>
+          </p:cNvSpPr>
+          <p:nvPr>
+            <p:ph type="title"/>
+          </p:nvPr>
+        </p:nvSpPr>
+        <p:spPr>
+          <a:xfrm>
+            <a:off x="-78059" y="644653"/>
+            <a:ext cx="5084356" cy="5943600"/>
+          </a:xfrm>
+        </p:spPr>
+        <p:txBody>
+          <a:bodyPr>
+            <a:normAutofit/>
+          </a:bodyPr>
+          <a:lstStyle/>
+          <a:p>
+            <a:pPr algn="ctr"/>
+            <a:r>
+              <a:rPr lang="en-CN" sz="6600" dirty="0">
+                <a:solidFill>
+                  <a:srgbClr val="FFFFFF"/>
+                </a:solidFill>
+              </a:rPr>
+              <a:t>Global Use</a:t>
+            </a:r>
+          </a:p>
+        </p:txBody>
+      </p:sp>
+      <p:sp>
+        <p:nvSpPr>
+          <p:cNvPr id="3" name="Content Placeholder 2">
+            <a:extLst>
+              <a:ext uri="{FF2B5EF4-FFF2-40B4-BE49-F238E27FC236}">
+                <a16:creationId xmlns:a16="http://schemas.microsoft.com/office/drawing/2014/main" id="{76DB7B65-FFAA-2B40-A6A5-A370A638238D}"/>
+              </a:ext>
+            </a:extLst>
+          </p:cNvPr>
+          <p:cNvSpPr>
+            <a:spLocks noGrp="1"/>
+          </p:cNvSpPr>
+          <p:nvPr>
+            <p:ph idx="1"/>
+          </p:nvPr>
+        </p:nvSpPr>
+        <p:spPr>
+          <a:xfrm>
+            <a:off x="5494350" y="644652"/>
+            <a:ext cx="5856401" cy="5568696"/>
+          </a:xfrm>
+        </p:spPr>
+        <p:txBody>
+          <a:bodyPr anchor="ctr">
+            <a:normAutofit/>
+          </a:bodyPr>
+          <a:lstStyle/>
+          <a:p>
+            <a:r>
+              <a:rPr lang="en-CN" dirty="0"/>
+              <a:t>BBX local shopping platform is able to expand its business at the global level, since worldwide network can be freely added into our system. As the amount of networks being created increases, our system will be applied globally, considering dividing a whole into parts.</a:t>
+            </a:r>
+          </a:p>
+        </p:txBody>
+      </p:sp>
+    </p:spTree>
+    <p:extLst>
+      <p:ext uri="{BB962C8B-B14F-4D97-AF65-F5344CB8AC3E}">
+        <p14:creationId xmlns:p14="http://schemas.microsoft.com/office/powerpoint/2010/main" val="1068195977"/>
+      </p:ext>
+    </p:extLst>
+  </p:cSld>
+  <p:clrMapOvr>
+    <a:masterClrMapping/>
+  </p:clrMapOvr>
+</p:sld>
+</file>
+
+<file path=ppt/slides/slide4.xml><?xml version="1.0" encoding="utf-8"?>
+<p:sld xmlns:a="http://schemas.openxmlformats.org/drawingml/2006/main" xmlns:r="http://schemas.openxmlformats.org/officeDocument/2006/relationships" xmlns:p="http://schemas.openxmlformats.org/presentationml/2006/main">
+  <p:cSld>
+    <p:bg>
+      <p:bgPr>
+        <a:solidFill>
+          <a:schemeClr val="bg1"/>
+        </a:solidFill>
+        <a:effectLst/>
+      </p:bgPr>
+    </p:bg>
+    <p:spTree>
+      <p:nvGrpSpPr>
+        <p:cNvPr id="1" name=""/>
+        <p:cNvGrpSpPr/>
+        <p:nvPr/>
+      </p:nvGrpSpPr>
+      <p:grpSpPr>
+        <a:xfrm>
+          <a:off x="0" y="0"/>
+          <a:ext cx="0" cy="0"/>
+          <a:chOff x="0" y="0"/>
+          <a:chExt cx="0" cy="0"/>
+        </a:xfrm>
+      </p:grpSpPr>
+      <p:sp useBgFill="1">
+        <p:nvSpPr>
+          <p:cNvPr id="17" name="Rectangle 16">
+            <a:extLst>
+              <a:ext uri="{FF2B5EF4-FFF2-40B4-BE49-F238E27FC236}">
+                <a16:creationId xmlns:a16="http://schemas.microsoft.com/office/drawing/2014/main" id="{3946F6A7-0B48-49A7-8E23-3C1F0993999F}"/>
+              </a:ext>
+              <a:ext uri="{C183D7F6-B498-43B3-948B-1728B52AA6E4}">
+                <adec:decorative xmlns:adec="http://schemas.microsoft.com/office/drawing/2017/decorative" val="1"/>
+              </a:ext>
+            </a:extLst>
+          </p:cNvPr>
+          <p:cNvSpPr>
+            <a:spLocks noGrp="1" noRot="1" noChangeAspect="1" noMove="1" noResize="1" noEditPoints="1" noAdjustHandles="1" noChangeArrowheads="1" noChangeShapeType="1" noTextEdit="1"/>
+          </p:cNvSpPr>
+          <p:nvPr>
+            <p:extLst>
+              <p:ext uri="{386F3935-93C4-4BCD-93E2-E3B085C9AB24}">
+                <p16:designElem xmlns:p16="http://schemas.microsoft.com/office/powerpoint/2015/main" val="1"/>
+              </p:ext>
+            </p:extLst>
+          </p:nvPr>
+        </p:nvSpPr>
+        <p:spPr>
+          <a:xfrm>
+            <a:off x="0" y="0"/>
+            <a:ext cx="12188952" cy="6858000"/>
+          </a:xfrm>
+          <a:prstGeom prst="rect">
+            <a:avLst/>
+          </a:prstGeom>
+          <a:ln>
+            <a:noFill/>
+          </a:ln>
+        </p:spPr>
+        <p:style>
+          <a:lnRef idx="2">
+            <a:schemeClr val="accent1">
+              <a:shade val="50000"/>
+            </a:schemeClr>
+          </a:lnRef>
+          <a:fillRef idx="1">
+            <a:schemeClr val="accent1"/>
+          </a:fillRef>
+          <a:effectRef idx="0">
+            <a:schemeClr val="accent1"/>
+          </a:effectRef>
+          <a:fontRef idx="minor">
+            <a:schemeClr val="lt1"/>
+          </a:fontRef>
+        </p:style>
+        <p:txBody>
+          <a:bodyPr rtlCol="0" anchor="ctr"/>
+          <a:lstStyle/>
+          <a:p>
+            <a:pPr algn="ctr"/>
+            <a:endParaRPr lang="en-US"/>
+          </a:p>
+        </p:txBody>
+      </p:sp>
+      <p:sp>
+        <p:nvSpPr>
+          <p:cNvPr id="19" name="sketchy content container">
+            <a:extLst>
+              <a:ext uri="{FF2B5EF4-FFF2-40B4-BE49-F238E27FC236}">
+                <a16:creationId xmlns:a16="http://schemas.microsoft.com/office/drawing/2014/main" id="{F53AD421-C5C8-4C52-9DD0-6A594F21A5DB}"/>
+              </a:ext>
+              <a:ext uri="{C183D7F6-B498-43B3-948B-1728B52AA6E4}">
+                <adec:decorative xmlns:adec="http://schemas.microsoft.com/office/drawing/2017/decorative" val="1"/>
+              </a:ext>
+            </a:extLst>
+          </p:cNvPr>
+          <p:cNvSpPr>
+            <a:spLocks noGrp="1" noRot="1" noChangeAspect="1" noMove="1" noResize="1" noEditPoints="1" noAdjustHandles="1" noChangeArrowheads="1" noChangeShapeType="1" noTextEdit="1"/>
+          </p:cNvSpPr>
+          <p:nvPr>
+            <p:extLst>
+              <p:ext uri="{386F3935-93C4-4BCD-93E2-E3B085C9AB24}">
+                <p16:designElem xmlns:p16="http://schemas.microsoft.com/office/powerpoint/2015/main" val="1"/>
+              </p:ext>
+            </p:extLst>
+          </p:nvPr>
+        </p:nvSpPr>
+        <p:spPr>
+          <a:xfrm>
+            <a:off x="575564" y="493776"/>
+            <a:ext cx="11040872" cy="5722227"/>
+          </a:xfrm>
+          <a:custGeom>
+            <a:avLst/>
+            <a:gdLst>
+              <a:gd name="connsiteX0" fmla="*/ 0 w 11040872"/>
+              <a:gd name="connsiteY0" fmla="*/ 594482 h 5722227"/>
+              <a:gd name="connsiteX1" fmla="*/ 594482 w 11040872"/>
+              <a:gd name="connsiteY1" fmla="*/ 0 h 5722227"/>
+              <a:gd name="connsiteX2" fmla="*/ 1448314 w 11040872"/>
+              <a:gd name="connsiteY2" fmla="*/ 0 h 5722227"/>
+              <a:gd name="connsiteX3" fmla="*/ 1908070 w 11040872"/>
+              <a:gd name="connsiteY3" fmla="*/ 0 h 5722227"/>
+              <a:gd name="connsiteX4" fmla="*/ 2564864 w 11040872"/>
+              <a:gd name="connsiteY4" fmla="*/ 0 h 5722227"/>
+              <a:gd name="connsiteX5" fmla="*/ 3320177 w 11040872"/>
+              <a:gd name="connsiteY5" fmla="*/ 0 h 5722227"/>
+              <a:gd name="connsiteX6" fmla="*/ 4174009 w 11040872"/>
+              <a:gd name="connsiteY6" fmla="*/ 0 h 5722227"/>
+              <a:gd name="connsiteX7" fmla="*/ 4929322 w 11040872"/>
+              <a:gd name="connsiteY7" fmla="*/ 0 h 5722227"/>
+              <a:gd name="connsiteX8" fmla="*/ 5783154 w 11040872"/>
+              <a:gd name="connsiteY8" fmla="*/ 0 h 5722227"/>
+              <a:gd name="connsiteX9" fmla="*/ 6538466 w 11040872"/>
+              <a:gd name="connsiteY9" fmla="*/ 0 h 5722227"/>
+              <a:gd name="connsiteX10" fmla="*/ 6998222 w 11040872"/>
+              <a:gd name="connsiteY10" fmla="*/ 0 h 5722227"/>
+              <a:gd name="connsiteX11" fmla="*/ 7753535 w 11040872"/>
+              <a:gd name="connsiteY11" fmla="*/ 0 h 5722227"/>
+              <a:gd name="connsiteX12" fmla="*/ 8311810 w 11040872"/>
+              <a:gd name="connsiteY12" fmla="*/ 0 h 5722227"/>
+              <a:gd name="connsiteX13" fmla="*/ 8771566 w 11040872"/>
+              <a:gd name="connsiteY13" fmla="*/ 0 h 5722227"/>
+              <a:gd name="connsiteX14" fmla="*/ 9132802 w 11040872"/>
+              <a:gd name="connsiteY14" fmla="*/ 0 h 5722227"/>
+              <a:gd name="connsiteX15" fmla="*/ 9592558 w 11040872"/>
+              <a:gd name="connsiteY15" fmla="*/ 0 h 5722227"/>
+              <a:gd name="connsiteX16" fmla="*/ 10446390 w 11040872"/>
+              <a:gd name="connsiteY16" fmla="*/ 0 h 5722227"/>
+              <a:gd name="connsiteX17" fmla="*/ 11040872 w 11040872"/>
+              <a:gd name="connsiteY17" fmla="*/ 594482 h 5722227"/>
+              <a:gd name="connsiteX18" fmla="*/ 11040872 w 11040872"/>
+              <a:gd name="connsiteY18" fmla="*/ 1332756 h 5722227"/>
+              <a:gd name="connsiteX19" fmla="*/ 11040872 w 11040872"/>
+              <a:gd name="connsiteY19" fmla="*/ 2071031 h 5722227"/>
+              <a:gd name="connsiteX20" fmla="*/ 11040872 w 11040872"/>
+              <a:gd name="connsiteY20" fmla="*/ 2627974 h 5722227"/>
+              <a:gd name="connsiteX21" fmla="*/ 11040872 w 11040872"/>
+              <a:gd name="connsiteY21" fmla="*/ 3366249 h 5722227"/>
+              <a:gd name="connsiteX22" fmla="*/ 11040872 w 11040872"/>
+              <a:gd name="connsiteY22" fmla="*/ 3923192 h 5722227"/>
+              <a:gd name="connsiteX23" fmla="*/ 11040872 w 11040872"/>
+              <a:gd name="connsiteY23" fmla="*/ 5127745 h 5722227"/>
+              <a:gd name="connsiteX24" fmla="*/ 10446390 w 11040872"/>
+              <a:gd name="connsiteY24" fmla="*/ 5722227 h 5722227"/>
+              <a:gd name="connsiteX25" fmla="*/ 9986634 w 11040872"/>
+              <a:gd name="connsiteY25" fmla="*/ 5722227 h 5722227"/>
+              <a:gd name="connsiteX26" fmla="*/ 9132802 w 11040872"/>
+              <a:gd name="connsiteY26" fmla="*/ 5722227 h 5722227"/>
+              <a:gd name="connsiteX27" fmla="*/ 8771566 w 11040872"/>
+              <a:gd name="connsiteY27" fmla="*/ 5722227 h 5722227"/>
+              <a:gd name="connsiteX28" fmla="*/ 8114772 w 11040872"/>
+              <a:gd name="connsiteY28" fmla="*/ 5722227 h 5722227"/>
+              <a:gd name="connsiteX29" fmla="*/ 7556497 w 11040872"/>
+              <a:gd name="connsiteY29" fmla="*/ 5722227 h 5722227"/>
+              <a:gd name="connsiteX30" fmla="*/ 6998222 w 11040872"/>
+              <a:gd name="connsiteY30" fmla="*/ 5722227 h 5722227"/>
+              <a:gd name="connsiteX31" fmla="*/ 6439947 w 11040872"/>
+              <a:gd name="connsiteY31" fmla="*/ 5722227 h 5722227"/>
+              <a:gd name="connsiteX32" fmla="*/ 6078711 w 11040872"/>
+              <a:gd name="connsiteY32" fmla="*/ 5722227 h 5722227"/>
+              <a:gd name="connsiteX33" fmla="*/ 5224879 w 11040872"/>
+              <a:gd name="connsiteY33" fmla="*/ 5722227 h 5722227"/>
+              <a:gd name="connsiteX34" fmla="*/ 4371047 w 11040872"/>
+              <a:gd name="connsiteY34" fmla="*/ 5722227 h 5722227"/>
+              <a:gd name="connsiteX35" fmla="*/ 4009810 w 11040872"/>
+              <a:gd name="connsiteY35" fmla="*/ 5722227 h 5722227"/>
+              <a:gd name="connsiteX36" fmla="*/ 3550054 w 11040872"/>
+              <a:gd name="connsiteY36" fmla="*/ 5722227 h 5722227"/>
+              <a:gd name="connsiteX37" fmla="*/ 2893261 w 11040872"/>
+              <a:gd name="connsiteY37" fmla="*/ 5722227 h 5722227"/>
+              <a:gd name="connsiteX38" fmla="*/ 2137948 w 11040872"/>
+              <a:gd name="connsiteY38" fmla="*/ 5722227 h 5722227"/>
+              <a:gd name="connsiteX39" fmla="*/ 1579673 w 11040872"/>
+              <a:gd name="connsiteY39" fmla="*/ 5722227 h 5722227"/>
+              <a:gd name="connsiteX40" fmla="*/ 594482 w 11040872"/>
+              <a:gd name="connsiteY40" fmla="*/ 5722227 h 5722227"/>
+              <a:gd name="connsiteX41" fmla="*/ 0 w 11040872"/>
+              <a:gd name="connsiteY41" fmla="*/ 5127745 h 5722227"/>
+              <a:gd name="connsiteX42" fmla="*/ 0 w 11040872"/>
+              <a:gd name="connsiteY42" fmla="*/ 4389471 h 5722227"/>
+              <a:gd name="connsiteX43" fmla="*/ 0 w 11040872"/>
+              <a:gd name="connsiteY43" fmla="*/ 3787194 h 5722227"/>
+              <a:gd name="connsiteX44" fmla="*/ 0 w 11040872"/>
+              <a:gd name="connsiteY44" fmla="*/ 3139585 h 5722227"/>
+              <a:gd name="connsiteX45" fmla="*/ 0 w 11040872"/>
+              <a:gd name="connsiteY45" fmla="*/ 2582642 h 5722227"/>
+              <a:gd name="connsiteX46" fmla="*/ 0 w 11040872"/>
+              <a:gd name="connsiteY46" fmla="*/ 1844367 h 5722227"/>
+              <a:gd name="connsiteX47" fmla="*/ 0 w 11040872"/>
+              <a:gd name="connsiteY47" fmla="*/ 1332756 h 5722227"/>
+              <a:gd name="connsiteX48" fmla="*/ 0 w 11040872"/>
+              <a:gd name="connsiteY48" fmla="*/ 594482 h 5722227"/>
+            </a:gdLst>
+            <a:ahLst/>
+            <a:cxnLst>
+              <a:cxn ang="0">
+                <a:pos x="connsiteX0" y="connsiteY0"/>
+              </a:cxn>
+              <a:cxn ang="0">
+                <a:pos x="connsiteX1" y="connsiteY1"/>
+              </a:cxn>
+              <a:cxn ang="0">
+                <a:pos x="connsiteX2" y="connsiteY2"/>
+              </a:cxn>
+              <a:cxn ang="0">
+                <a:pos x="connsiteX3" y="connsiteY3"/>
+              </a:cxn>
+              <a:cxn ang="0">
+                <a:pos x="connsiteX4" y="connsiteY4"/>
+              </a:cxn>
+              <a:cxn ang="0">
+                <a:pos x="connsiteX5" y="connsiteY5"/>
+              </a:cxn>
+              <a:cxn ang="0">
+                <a:pos x="connsiteX6" y="connsiteY6"/>
+              </a:cxn>
+              <a:cxn ang="0">
+                <a:pos x="connsiteX7" y="connsiteY7"/>
+              </a:cxn>
+              <a:cxn ang="0">
+                <a:pos x="connsiteX8" y="connsiteY8"/>
+              </a:cxn>
+              <a:cxn ang="0">
+                <a:pos x="connsiteX9" y="connsiteY9"/>
+              </a:cxn>
+              <a:cxn ang="0">
+                <a:pos x="connsiteX10" y="connsiteY10"/>
+              </a:cxn>
+              <a:cxn ang="0">
+                <a:pos x="connsiteX11" y="connsiteY11"/>
+              </a:cxn>
+              <a:cxn ang="0">
+                <a:pos x="connsiteX12" y="connsiteY12"/>
+              </a:cxn>
+              <a:cxn ang="0">
+                <a:pos x="connsiteX13" y="connsiteY13"/>
+              </a:cxn>
+              <a:cxn ang="0">
+                <a:pos x="connsiteX14" y="connsiteY14"/>
+              </a:cxn>
+              <a:cxn ang="0">
+                <a:pos x="connsiteX15" y="connsiteY15"/>
+              </a:cxn>
+              <a:cxn ang="0">
+                <a:pos x="connsiteX16" y="connsiteY16"/>
+              </a:cxn>
+              <a:cxn ang="0">
+                <a:pos x="connsiteX17" y="connsiteY17"/>
+              </a:cxn>
+              <a:cxn ang="0">
+                <a:pos x="connsiteX18" y="connsiteY18"/>
+              </a:cxn>
+              <a:cxn ang="0">
+                <a:pos x="connsiteX19" y="connsiteY19"/>
+              </a:cxn>
+              <a:cxn ang="0">
+                <a:pos x="connsiteX20" y="connsiteY20"/>
+              </a:cxn>
+              <a:cxn ang="0">
+                <a:pos x="connsiteX21" y="connsiteY21"/>
+              </a:cxn>
+              <a:cxn ang="0">
+                <a:pos x="connsiteX22" y="connsiteY22"/>
+              </a:cxn>
+              <a:cxn ang="0">
+                <a:pos x="connsiteX23" y="connsiteY23"/>
+              </a:cxn>
+              <a:cxn ang="0">
+                <a:pos x="connsiteX24" y="connsiteY24"/>
+              </a:cxn>
+              <a:cxn ang="0">
+                <a:pos x="connsiteX25" y="connsiteY25"/>
+              </a:cxn>
+              <a:cxn ang="0">
+                <a:pos x="connsiteX26" y="connsiteY26"/>
+              </a:cxn>
+              <a:cxn ang="0">
+                <a:pos x="connsiteX27" y="connsiteY27"/>
+              </a:cxn>
+              <a:cxn ang="0">
+                <a:pos x="connsiteX28" y="connsiteY28"/>
+              </a:cxn>
+              <a:cxn ang="0">
+                <a:pos x="connsiteX29" y="connsiteY29"/>
+              </a:cxn>
+              <a:cxn ang="0">
+                <a:pos x="connsiteX30" y="connsiteY30"/>
+              </a:cxn>
+              <a:cxn ang="0">
+                <a:pos x="connsiteX31" y="connsiteY31"/>
+              </a:cxn>
+              <a:cxn ang="0">
+                <a:pos x="connsiteX32" y="connsiteY32"/>
+              </a:cxn>
+              <a:cxn ang="0">
+                <a:pos x="connsiteX33" y="connsiteY33"/>
+              </a:cxn>
+              <a:cxn ang="0">
+                <a:pos x="connsiteX34" y="connsiteY34"/>
+              </a:cxn>
+              <a:cxn ang="0">
+                <a:pos x="connsiteX35" y="connsiteY35"/>
+              </a:cxn>
+              <a:cxn ang="0">
+                <a:pos x="connsiteX36" y="connsiteY36"/>
+              </a:cxn>
+              <a:cxn ang="0">
+                <a:pos x="connsiteX37" y="connsiteY37"/>
+              </a:cxn>
+              <a:cxn ang="0">
+                <a:pos x="connsiteX38" y="connsiteY38"/>
+              </a:cxn>
+              <a:cxn ang="0">
+                <a:pos x="connsiteX39" y="connsiteY39"/>
+              </a:cxn>
+              <a:cxn ang="0">
+                <a:pos x="connsiteX40" y="connsiteY40"/>
+              </a:cxn>
+              <a:cxn ang="0">
+                <a:pos x="connsiteX41" y="connsiteY41"/>
+              </a:cxn>
+              <a:cxn ang="0">
+                <a:pos x="connsiteX42" y="connsiteY42"/>
+              </a:cxn>
+              <a:cxn ang="0">
+                <a:pos x="connsiteX43" y="connsiteY43"/>
+              </a:cxn>
+              <a:cxn ang="0">
+                <a:pos x="connsiteX44" y="connsiteY44"/>
+              </a:cxn>
+              <a:cxn ang="0">
+                <a:pos x="connsiteX45" y="connsiteY45"/>
+              </a:cxn>
+              <a:cxn ang="0">
+                <a:pos x="connsiteX46" y="connsiteY46"/>
+              </a:cxn>
+              <a:cxn ang="0">
+                <a:pos x="connsiteX47" y="connsiteY47"/>
+              </a:cxn>
+              <a:cxn ang="0">
+                <a:pos x="connsiteX48" y="connsiteY48"/>
+              </a:cxn>
+            </a:cxnLst>
+            <a:rect l="l" t="t" r="r" b="b"/>
+            <a:pathLst>
+              <a:path w="11040872" h="5722227" fill="none" extrusionOk="0">
+                <a:moveTo>
+                  <a:pt x="0" y="594482"/>
+                </a:moveTo>
+                <a:cubicBezTo>
+                  <a:pt x="15746" y="210853"/>
+                  <a:pt x="238566" y="-49047"/>
+                  <a:pt x="594482" y="0"/>
+                </a:cubicBezTo>
+                <a:cubicBezTo>
+                  <a:pt x="794518" y="-29056"/>
+                  <a:pt x="1056835" y="31998"/>
+                  <a:pt x="1448314" y="0"/>
+                </a:cubicBezTo>
+                <a:cubicBezTo>
+                  <a:pt x="1839793" y="-31998"/>
+                  <a:pt x="1717857" y="10568"/>
+                  <a:pt x="1908070" y="0"/>
+                </a:cubicBezTo>
+                <a:cubicBezTo>
+                  <a:pt x="2098283" y="-10568"/>
+                  <a:pt x="2377757" y="-10377"/>
+                  <a:pt x="2564864" y="0"/>
+                </a:cubicBezTo>
+                <a:cubicBezTo>
+                  <a:pt x="2751971" y="10377"/>
+                  <a:pt x="3048766" y="25570"/>
+                  <a:pt x="3320177" y="0"/>
+                </a:cubicBezTo>
+                <a:cubicBezTo>
+                  <a:pt x="3591588" y="-25570"/>
+                  <a:pt x="3890997" y="-35762"/>
+                  <a:pt x="4174009" y="0"/>
+                </a:cubicBezTo>
+                <a:cubicBezTo>
+                  <a:pt x="4457021" y="35762"/>
+                  <a:pt x="4687341" y="20239"/>
+                  <a:pt x="4929322" y="0"/>
+                </a:cubicBezTo>
+                <a:cubicBezTo>
+                  <a:pt x="5171303" y="-20239"/>
+                  <a:pt x="5520807" y="-10743"/>
+                  <a:pt x="5783154" y="0"/>
+                </a:cubicBezTo>
+                <a:cubicBezTo>
+                  <a:pt x="6045501" y="10743"/>
+                  <a:pt x="6171473" y="-14245"/>
+                  <a:pt x="6538466" y="0"/>
+                </a:cubicBezTo>
+                <a:cubicBezTo>
+                  <a:pt x="6905459" y="14245"/>
+                  <a:pt x="6859386" y="-15798"/>
+                  <a:pt x="6998222" y="0"/>
+                </a:cubicBezTo>
+                <a:cubicBezTo>
+                  <a:pt x="7137058" y="15798"/>
+                  <a:pt x="7493034" y="17684"/>
+                  <a:pt x="7753535" y="0"/>
+                </a:cubicBezTo>
+                <a:cubicBezTo>
+                  <a:pt x="8014036" y="-17684"/>
+                  <a:pt x="8093734" y="-5742"/>
+                  <a:pt x="8311810" y="0"/>
+                </a:cubicBezTo>
+                <a:cubicBezTo>
+                  <a:pt x="8529886" y="5742"/>
+                  <a:pt x="8549001" y="8497"/>
+                  <a:pt x="8771566" y="0"/>
+                </a:cubicBezTo>
+                <a:cubicBezTo>
+                  <a:pt x="8994131" y="-8497"/>
+                  <a:pt x="8987828" y="-849"/>
+                  <a:pt x="9132802" y="0"/>
+                </a:cubicBezTo>
+                <a:cubicBezTo>
+                  <a:pt x="9277776" y="849"/>
+                  <a:pt x="9415114" y="-11551"/>
+                  <a:pt x="9592558" y="0"/>
+                </a:cubicBezTo>
+                <a:cubicBezTo>
+                  <a:pt x="9770002" y="11551"/>
+                  <a:pt x="10181650" y="-41772"/>
+                  <a:pt x="10446390" y="0"/>
+                </a:cubicBezTo>
+                <a:cubicBezTo>
+                  <a:pt x="10835046" y="-41554"/>
+                  <a:pt x="11056788" y="252696"/>
+                  <a:pt x="11040872" y="594482"/>
+                </a:cubicBezTo>
+                <a:cubicBezTo>
+                  <a:pt x="11043504" y="949757"/>
+                  <a:pt x="11021866" y="1151453"/>
+                  <a:pt x="11040872" y="1332756"/>
+                </a:cubicBezTo>
+                <a:cubicBezTo>
+                  <a:pt x="11059878" y="1514059"/>
+                  <a:pt x="11068100" y="1802860"/>
+                  <a:pt x="11040872" y="2071031"/>
+                </a:cubicBezTo>
+                <a:cubicBezTo>
+                  <a:pt x="11013644" y="2339203"/>
+                  <a:pt x="11032418" y="2442705"/>
+                  <a:pt x="11040872" y="2627974"/>
+                </a:cubicBezTo>
+                <a:cubicBezTo>
+                  <a:pt x="11049326" y="2813243"/>
+                  <a:pt x="11063609" y="3012513"/>
+                  <a:pt x="11040872" y="3366249"/>
+                </a:cubicBezTo>
+                <a:cubicBezTo>
+                  <a:pt x="11018135" y="3719985"/>
+                  <a:pt x="11016901" y="3727349"/>
+                  <a:pt x="11040872" y="3923192"/>
+                </a:cubicBezTo>
+                <a:cubicBezTo>
+                  <a:pt x="11064843" y="4119035"/>
+                  <a:pt x="11006950" y="4790605"/>
+                  <a:pt x="11040872" y="5127745"/>
+                </a:cubicBezTo>
+                <a:cubicBezTo>
+                  <a:pt x="11056495" y="5431543"/>
+                  <a:pt x="10805033" y="5712114"/>
+                  <a:pt x="10446390" y="5722227"/>
+                </a:cubicBezTo>
+                <a:cubicBezTo>
+                  <a:pt x="10354097" y="5715080"/>
+                  <a:pt x="10214750" y="5743729"/>
+                  <a:pt x="9986634" y="5722227"/>
+                </a:cubicBezTo>
+                <a:cubicBezTo>
+                  <a:pt x="9758518" y="5700725"/>
+                  <a:pt x="9314174" y="5689111"/>
+                  <a:pt x="9132802" y="5722227"/>
+                </a:cubicBezTo>
+                <a:cubicBezTo>
+                  <a:pt x="8951430" y="5755343"/>
+                  <a:pt x="8857182" y="5714580"/>
+                  <a:pt x="8771566" y="5722227"/>
+                </a:cubicBezTo>
+                <a:cubicBezTo>
+                  <a:pt x="8685950" y="5729874"/>
+                  <a:pt x="8346042" y="5748953"/>
+                  <a:pt x="8114772" y="5722227"/>
+                </a:cubicBezTo>
+                <a:cubicBezTo>
+                  <a:pt x="7883502" y="5695501"/>
+                  <a:pt x="7746868" y="5746487"/>
+                  <a:pt x="7556497" y="5722227"/>
+                </a:cubicBezTo>
+                <a:cubicBezTo>
+                  <a:pt x="7366127" y="5697967"/>
+                  <a:pt x="7202924" y="5748709"/>
+                  <a:pt x="6998222" y="5722227"/>
+                </a:cubicBezTo>
+                <a:cubicBezTo>
+                  <a:pt x="6793521" y="5695745"/>
+                  <a:pt x="6669169" y="5749243"/>
+                  <a:pt x="6439947" y="5722227"/>
+                </a:cubicBezTo>
+                <a:cubicBezTo>
+                  <a:pt x="6210725" y="5695211"/>
+                  <a:pt x="6188382" y="5721246"/>
+                  <a:pt x="6078711" y="5722227"/>
+                </a:cubicBezTo>
+                <a:cubicBezTo>
+                  <a:pt x="5969040" y="5723208"/>
+                  <a:pt x="5527862" y="5683728"/>
+                  <a:pt x="5224879" y="5722227"/>
+                </a:cubicBezTo>
+                <a:cubicBezTo>
+                  <a:pt x="4921896" y="5760726"/>
+                  <a:pt x="4729422" y="5692801"/>
+                  <a:pt x="4371047" y="5722227"/>
+                </a:cubicBezTo>
+                <a:cubicBezTo>
+                  <a:pt x="4012672" y="5751653"/>
+                  <a:pt x="4105017" y="5723347"/>
+                  <a:pt x="4009810" y="5722227"/>
+                </a:cubicBezTo>
+                <a:cubicBezTo>
+                  <a:pt x="3914603" y="5721107"/>
+                  <a:pt x="3645009" y="5723324"/>
+                  <a:pt x="3550054" y="5722227"/>
+                </a:cubicBezTo>
+                <a:cubicBezTo>
+                  <a:pt x="3455099" y="5721130"/>
+                  <a:pt x="3124597" y="5727159"/>
+                  <a:pt x="2893261" y="5722227"/>
+                </a:cubicBezTo>
+                <a:cubicBezTo>
+                  <a:pt x="2661925" y="5717295"/>
+                  <a:pt x="2343077" y="5701539"/>
+                  <a:pt x="2137948" y="5722227"/>
+                </a:cubicBezTo>
+                <a:cubicBezTo>
+                  <a:pt x="1932819" y="5742915"/>
+                  <a:pt x="1693233" y="5733214"/>
+                  <a:pt x="1579673" y="5722227"/>
+                </a:cubicBezTo>
+                <a:cubicBezTo>
+                  <a:pt x="1466114" y="5711240"/>
+                  <a:pt x="1044435" y="5724184"/>
+                  <a:pt x="594482" y="5722227"/>
+                </a:cubicBezTo>
+                <a:cubicBezTo>
+                  <a:pt x="328734" y="5686479"/>
+                  <a:pt x="-66657" y="5424823"/>
+                  <a:pt x="0" y="5127745"/>
+                </a:cubicBezTo>
+                <a:cubicBezTo>
+                  <a:pt x="-35087" y="4972394"/>
+                  <a:pt x="-19370" y="4652638"/>
+                  <a:pt x="0" y="4389471"/>
+                </a:cubicBezTo>
+                <a:cubicBezTo>
+                  <a:pt x="19370" y="4126304"/>
+                  <a:pt x="-21113" y="3933106"/>
+                  <a:pt x="0" y="3787194"/>
+                </a:cubicBezTo>
+                <a:cubicBezTo>
+                  <a:pt x="21113" y="3641282"/>
+                  <a:pt x="19216" y="3402544"/>
+                  <a:pt x="0" y="3139585"/>
+                </a:cubicBezTo>
+                <a:cubicBezTo>
+                  <a:pt x="-19216" y="2876626"/>
+                  <a:pt x="-14413" y="2787638"/>
+                  <a:pt x="0" y="2582642"/>
+                </a:cubicBezTo>
+                <a:cubicBezTo>
+                  <a:pt x="14413" y="2377646"/>
+                  <a:pt x="33464" y="2134599"/>
+                  <a:pt x="0" y="1844367"/>
+                </a:cubicBezTo>
+                <a:cubicBezTo>
+                  <a:pt x="-33464" y="1554136"/>
+                  <a:pt x="25477" y="1493251"/>
+                  <a:pt x="0" y="1332756"/>
+                </a:cubicBezTo>
+                <a:cubicBezTo>
+                  <a:pt x="-25477" y="1172261"/>
+                  <a:pt x="17540" y="876667"/>
+                  <a:pt x="0" y="594482"/>
+                </a:cubicBezTo>
+                <a:close/>
+              </a:path>
+              <a:path w="11040872" h="5722227" stroke="0" extrusionOk="0">
+                <a:moveTo>
+                  <a:pt x="0" y="594482"/>
+                </a:moveTo>
+                <a:cubicBezTo>
+                  <a:pt x="-37935" y="242760"/>
+                  <a:pt x="194077" y="27054"/>
+                  <a:pt x="594482" y="0"/>
+                </a:cubicBezTo>
+                <a:cubicBezTo>
+                  <a:pt x="773932" y="-24550"/>
+                  <a:pt x="1057890" y="25913"/>
+                  <a:pt x="1448314" y="0"/>
+                </a:cubicBezTo>
+                <a:cubicBezTo>
+                  <a:pt x="1838738" y="-25913"/>
+                  <a:pt x="1797328" y="9502"/>
+                  <a:pt x="2006589" y="0"/>
+                </a:cubicBezTo>
+                <a:cubicBezTo>
+                  <a:pt x="2215851" y="-9502"/>
+                  <a:pt x="2305839" y="-2636"/>
+                  <a:pt x="2466345" y="0"/>
+                </a:cubicBezTo>
+                <a:cubicBezTo>
+                  <a:pt x="2626851" y="2636"/>
+                  <a:pt x="3037147" y="20740"/>
+                  <a:pt x="3221657" y="0"/>
+                </a:cubicBezTo>
+                <a:cubicBezTo>
+                  <a:pt x="3406167" y="-20740"/>
+                  <a:pt x="3611889" y="-6653"/>
+                  <a:pt x="3779932" y="0"/>
+                </a:cubicBezTo>
+                <a:cubicBezTo>
+                  <a:pt x="3947975" y="6653"/>
+                  <a:pt x="4422439" y="33567"/>
+                  <a:pt x="4633764" y="0"/>
+                </a:cubicBezTo>
+                <a:cubicBezTo>
+                  <a:pt x="4845089" y="-33567"/>
+                  <a:pt x="4901367" y="-8717"/>
+                  <a:pt x="5093520" y="0"/>
+                </a:cubicBezTo>
+                <a:cubicBezTo>
+                  <a:pt x="5285673" y="8717"/>
+                  <a:pt x="5570621" y="653"/>
+                  <a:pt x="5947352" y="0"/>
+                </a:cubicBezTo>
+                <a:cubicBezTo>
+                  <a:pt x="6324083" y="-653"/>
+                  <a:pt x="6209930" y="13850"/>
+                  <a:pt x="6308589" y="0"/>
+                </a:cubicBezTo>
+                <a:cubicBezTo>
+                  <a:pt x="6407248" y="-13850"/>
+                  <a:pt x="6752695" y="30990"/>
+                  <a:pt x="6965383" y="0"/>
+                </a:cubicBezTo>
+                <a:cubicBezTo>
+                  <a:pt x="7178071" y="-30990"/>
+                  <a:pt x="7443480" y="-17327"/>
+                  <a:pt x="7622176" y="0"/>
+                </a:cubicBezTo>
+                <a:cubicBezTo>
+                  <a:pt x="7800872" y="17327"/>
+                  <a:pt x="7990906" y="27729"/>
+                  <a:pt x="8180451" y="0"/>
+                </a:cubicBezTo>
+                <a:cubicBezTo>
+                  <a:pt x="8369996" y="-27729"/>
+                  <a:pt x="8845868" y="-13192"/>
+                  <a:pt x="9034283" y="0"/>
+                </a:cubicBezTo>
+                <a:cubicBezTo>
+                  <a:pt x="9222698" y="13192"/>
+                  <a:pt x="9517603" y="-10499"/>
+                  <a:pt x="9888115" y="0"/>
+                </a:cubicBezTo>
+                <a:cubicBezTo>
+                  <a:pt x="10258627" y="10499"/>
+                  <a:pt x="10316781" y="14930"/>
+                  <a:pt x="10446390" y="0"/>
+                </a:cubicBezTo>
+                <a:cubicBezTo>
+                  <a:pt x="10718440" y="-53019"/>
+                  <a:pt x="11013962" y="225931"/>
+                  <a:pt x="11040872" y="594482"/>
+                </a:cubicBezTo>
+                <a:cubicBezTo>
+                  <a:pt x="11043451" y="904574"/>
+                  <a:pt x="11020776" y="1089158"/>
+                  <a:pt x="11040872" y="1287424"/>
+                </a:cubicBezTo>
+                <a:cubicBezTo>
+                  <a:pt x="11060968" y="1485690"/>
+                  <a:pt x="11051926" y="1673788"/>
+                  <a:pt x="11040872" y="1799035"/>
+                </a:cubicBezTo>
+                <a:cubicBezTo>
+                  <a:pt x="11029818" y="1924282"/>
+                  <a:pt x="11054623" y="2135970"/>
+                  <a:pt x="11040872" y="2355978"/>
+                </a:cubicBezTo>
+                <a:cubicBezTo>
+                  <a:pt x="11027121" y="2575986"/>
+                  <a:pt x="11013030" y="2749477"/>
+                  <a:pt x="11040872" y="3094253"/>
+                </a:cubicBezTo>
+                <a:cubicBezTo>
+                  <a:pt x="11068714" y="3439030"/>
+                  <a:pt x="11029506" y="3525085"/>
+                  <a:pt x="11040872" y="3741862"/>
+                </a:cubicBezTo>
+                <a:cubicBezTo>
+                  <a:pt x="11052238" y="3958639"/>
+                  <a:pt x="11021397" y="4116679"/>
+                  <a:pt x="11040872" y="4298805"/>
+                </a:cubicBezTo>
+                <a:cubicBezTo>
+                  <a:pt x="11060347" y="4480931"/>
+                  <a:pt x="11022539" y="4900124"/>
+                  <a:pt x="11040872" y="5127745"/>
+                </a:cubicBezTo>
+                <a:cubicBezTo>
+                  <a:pt x="10974688" y="5452322"/>
+                  <a:pt x="10793932" y="5738773"/>
+                  <a:pt x="10446390" y="5722227"/>
+                </a:cubicBezTo>
+                <a:cubicBezTo>
+                  <a:pt x="10272062" y="5749271"/>
+                  <a:pt x="10063650" y="5719054"/>
+                  <a:pt x="9789596" y="5722227"/>
+                </a:cubicBezTo>
+                <a:cubicBezTo>
+                  <a:pt x="9515542" y="5725400"/>
+                  <a:pt x="9521222" y="5705365"/>
+                  <a:pt x="9329840" y="5722227"/>
+                </a:cubicBezTo>
+                <a:cubicBezTo>
+                  <a:pt x="9138458" y="5739089"/>
+                  <a:pt x="8905417" y="5705714"/>
+                  <a:pt x="8574527" y="5722227"/>
+                </a:cubicBezTo>
+                <a:cubicBezTo>
+                  <a:pt x="8243637" y="5738740"/>
+                  <a:pt x="8277624" y="5741955"/>
+                  <a:pt x="8114772" y="5722227"/>
+                </a:cubicBezTo>
+                <a:cubicBezTo>
+                  <a:pt x="7951921" y="5702499"/>
+                  <a:pt x="7640420" y="5738357"/>
+                  <a:pt x="7359459" y="5722227"/>
+                </a:cubicBezTo>
+                <a:cubicBezTo>
+                  <a:pt x="7078498" y="5706097"/>
+                  <a:pt x="7122500" y="5736206"/>
+                  <a:pt x="6998222" y="5722227"/>
+                </a:cubicBezTo>
+                <a:cubicBezTo>
+                  <a:pt x="6873944" y="5708248"/>
+                  <a:pt x="6584762" y="5737766"/>
+                  <a:pt x="6242909" y="5722227"/>
+                </a:cubicBezTo>
+                <a:cubicBezTo>
+                  <a:pt x="5901056" y="5706688"/>
+                  <a:pt x="5911118" y="5710812"/>
+                  <a:pt x="5783154" y="5722227"/>
+                </a:cubicBezTo>
+                <a:cubicBezTo>
+                  <a:pt x="5655191" y="5733642"/>
+                  <a:pt x="5585023" y="5732166"/>
+                  <a:pt x="5421917" y="5722227"/>
+                </a:cubicBezTo>
+                <a:cubicBezTo>
+                  <a:pt x="5258811" y="5712288"/>
+                  <a:pt x="5178725" y="5705468"/>
+                  <a:pt x="4962161" y="5722227"/>
+                </a:cubicBezTo>
+                <a:cubicBezTo>
+                  <a:pt x="4745597" y="5738986"/>
+                  <a:pt x="4430318" y="5744224"/>
+                  <a:pt x="4206848" y="5722227"/>
+                </a:cubicBezTo>
+                <a:cubicBezTo>
+                  <a:pt x="3983378" y="5700230"/>
+                  <a:pt x="3911697" y="5735058"/>
+                  <a:pt x="3747093" y="5722227"/>
+                </a:cubicBezTo>
+                <a:cubicBezTo>
+                  <a:pt x="3582489" y="5709396"/>
+                  <a:pt x="3545682" y="5704593"/>
+                  <a:pt x="3385856" y="5722227"/>
+                </a:cubicBezTo>
+                <a:cubicBezTo>
+                  <a:pt x="3226030" y="5739861"/>
+                  <a:pt x="3029507" y="5730116"/>
+                  <a:pt x="2926100" y="5722227"/>
+                </a:cubicBezTo>
+                <a:cubicBezTo>
+                  <a:pt x="2822693" y="5714338"/>
+                  <a:pt x="2554822" y="5699610"/>
+                  <a:pt x="2367825" y="5722227"/>
+                </a:cubicBezTo>
+                <a:cubicBezTo>
+                  <a:pt x="2180829" y="5744844"/>
+                  <a:pt x="2002855" y="5738254"/>
+                  <a:pt x="1711032" y="5722227"/>
+                </a:cubicBezTo>
+                <a:cubicBezTo>
+                  <a:pt x="1419209" y="5706200"/>
+                  <a:pt x="1407274" y="5738383"/>
+                  <a:pt x="1251276" y="5722227"/>
+                </a:cubicBezTo>
+                <a:cubicBezTo>
+                  <a:pt x="1095278" y="5706071"/>
+                  <a:pt x="872658" y="5717760"/>
+                  <a:pt x="594482" y="5722227"/>
+                </a:cubicBezTo>
+                <a:cubicBezTo>
+                  <a:pt x="253293" y="5699246"/>
+                  <a:pt x="-22323" y="5466443"/>
+                  <a:pt x="0" y="5127745"/>
+                </a:cubicBezTo>
+                <a:cubicBezTo>
+                  <a:pt x="-23138" y="4892853"/>
+                  <a:pt x="-21399" y="4758867"/>
+                  <a:pt x="0" y="4616134"/>
+                </a:cubicBezTo>
+                <a:cubicBezTo>
+                  <a:pt x="21399" y="4473401"/>
+                  <a:pt x="-2392" y="4140718"/>
+                  <a:pt x="0" y="4013858"/>
+                </a:cubicBezTo>
+                <a:cubicBezTo>
+                  <a:pt x="2392" y="3886998"/>
+                  <a:pt x="-9073" y="3524231"/>
+                  <a:pt x="0" y="3320916"/>
+                </a:cubicBezTo>
+                <a:cubicBezTo>
+                  <a:pt x="9073" y="3117601"/>
+                  <a:pt x="-20614" y="2922972"/>
+                  <a:pt x="0" y="2763972"/>
+                </a:cubicBezTo>
+                <a:cubicBezTo>
+                  <a:pt x="20614" y="2604972"/>
+                  <a:pt x="5751" y="2418545"/>
+                  <a:pt x="0" y="2116363"/>
+                </a:cubicBezTo>
+                <a:cubicBezTo>
+                  <a:pt x="-5751" y="1814181"/>
+                  <a:pt x="-23336" y="1771268"/>
+                  <a:pt x="0" y="1604752"/>
+                </a:cubicBezTo>
+                <a:cubicBezTo>
+                  <a:pt x="23336" y="1438236"/>
+                  <a:pt x="-35446" y="1063211"/>
+                  <a:pt x="0" y="594482"/>
+                </a:cubicBezTo>
+                <a:close/>
+              </a:path>
+            </a:pathLst>
+          </a:custGeom>
+          <a:solidFill>
+            <a:srgbClr val="E78129"/>
+          </a:solidFill>
+          <a:ln w="25400">
+            <a:solidFill>
+              <a:srgbClr val="E78129"/>
+            </a:solidFill>
+            <a:round/>
+            <a:extLst>
+              <a:ext uri="{C807C97D-BFC1-408E-A445-0C87EB9F89A2}">
+                <ask:lineSketchStyleProps xmlns:ask="http://schemas.microsoft.com/office/drawing/2018/sketchyshapes" sd="1219033472">
+                  <a:prstGeom prst="roundRect">
+                    <a:avLst>
+                      <a:gd name="adj" fmla="val 10389"/>
+                    </a:avLst>
+                  </a:prstGeom>
+                  <ask:type>
+                    <ask:lineSketchFreehand/>
+                  </ask:type>
+                </ask:lineSketchStyleProps>
+              </a:ext>
+            </a:extLst>
+          </a:ln>
+        </p:spPr>
+        <p:style>
+          <a:lnRef idx="2">
+            <a:schemeClr val="accent1">
+              <a:shade val="50000"/>
+            </a:schemeClr>
+          </a:lnRef>
+          <a:fillRef idx="1">
+            <a:schemeClr val="accent1"/>
+          </a:fillRef>
+          <a:effectRef idx="0">
+            <a:schemeClr val="accent1"/>
+          </a:effectRef>
+          <a:fontRef idx="minor">
+            <a:schemeClr val="lt1"/>
+          </a:fontRef>
+        </p:style>
+        <p:txBody>
+          <a:bodyPr rtlCol="0" anchor="ctr"/>
+          <a:lstStyle/>
+          <a:p>
+            <a:pPr algn="ctr"/>
+            <a:endParaRPr lang="en-US"/>
+          </a:p>
+        </p:txBody>
+      </p:sp>
+      <p:sp>
+        <p:nvSpPr>
+          <p:cNvPr id="2" name="Title 1">
+            <a:extLst>
+              <a:ext uri="{FF2B5EF4-FFF2-40B4-BE49-F238E27FC236}">
+                <a16:creationId xmlns:a16="http://schemas.microsoft.com/office/drawing/2014/main" id="{934B8A17-297E-BF4D-B0BD-130AD3EBE408}"/>
+              </a:ext>
+            </a:extLst>
+          </p:cNvPr>
+          <p:cNvSpPr>
+            <a:spLocks noGrp="1"/>
+          </p:cNvSpPr>
+          <p:nvPr>
+            <p:ph type="title"/>
+          </p:nvPr>
+        </p:nvSpPr>
+        <p:spPr>
+          <a:xfrm>
+            <a:off x="1151467" y="887973"/>
+            <a:ext cx="9889067" cy="1325563"/>
+          </a:xfrm>
+        </p:spPr>
+        <p:txBody>
+          <a:bodyPr>
+            <a:normAutofit/>
+          </a:bodyPr>
+          <a:lstStyle/>
+          <a:p>
+            <a:r>
+              <a:rPr lang="en-CN" sz="6600" dirty="0">
+                <a:solidFill>
+                  <a:schemeClr val="bg1"/>
+                </a:solidFill>
+              </a:rPr>
+              <a:t>System Structure</a:t>
+            </a:r>
+            <a:endParaRPr lang="en-CN" sz="6600">
+              <a:solidFill>
+                <a:schemeClr val="bg1"/>
+              </a:solidFill>
+            </a:endParaRPr>
+          </a:p>
+        </p:txBody>
+      </p:sp>
+      <p:sp>
+        <p:nvSpPr>
+          <p:cNvPr id="21" name="Rectangle 6">
+            <a:extLst>
+              <a:ext uri="{FF2B5EF4-FFF2-40B4-BE49-F238E27FC236}">
+                <a16:creationId xmlns:a16="http://schemas.microsoft.com/office/drawing/2014/main" id="{6D7E5B0F-5185-440A-8222-321C1D118ABE}"/>
+              </a:ext>
+              <a:ext uri="{C183D7F6-B498-43B3-948B-1728B52AA6E4}">
+                <adec:decorative xmlns:adec="http://schemas.microsoft.com/office/drawing/2017/decorative" val="1"/>
+              </a:ext>
+            </a:extLst>
+          </p:cNvPr>
+          <p:cNvSpPr>
+            <a:spLocks noGrp="1" noRot="1" noChangeAspect="1" noMove="1" noResize="1" noEditPoints="1" noAdjustHandles="1" noChangeArrowheads="1" noChangeShapeType="1" noTextEdit="1"/>
+          </p:cNvSpPr>
+          <p:nvPr>
+            <p:extLst>
+              <p:ext uri="{386F3935-93C4-4BCD-93E2-E3B085C9AB24}">
+                <p16:designElem xmlns:p16="http://schemas.microsoft.com/office/powerpoint/2015/main" val="1"/>
+              </p:ext>
+            </p:extLst>
+          </p:nvPr>
+        </p:nvSpPr>
+        <p:spPr>
+          <a:xfrm>
+            <a:off x="1117092" y="2325880"/>
+            <a:ext cx="9957816" cy="18288"/>
+          </a:xfrm>
+          <a:custGeom>
+            <a:avLst/>
+            <a:gdLst>
+              <a:gd name="connsiteX0" fmla="*/ 0 w 9957816"/>
+              <a:gd name="connsiteY0" fmla="*/ 0 h 18288"/>
+              <a:gd name="connsiteX1" fmla="*/ 863011 w 9957816"/>
+              <a:gd name="connsiteY1" fmla="*/ 0 h 18288"/>
+              <a:gd name="connsiteX2" fmla="*/ 1327709 w 9957816"/>
+              <a:gd name="connsiteY2" fmla="*/ 0 h 18288"/>
+              <a:gd name="connsiteX3" fmla="*/ 2091141 w 9957816"/>
+              <a:gd name="connsiteY3" fmla="*/ 0 h 18288"/>
+              <a:gd name="connsiteX4" fmla="*/ 2555839 w 9957816"/>
+              <a:gd name="connsiteY4" fmla="*/ 0 h 18288"/>
+              <a:gd name="connsiteX5" fmla="*/ 3219694 w 9957816"/>
+              <a:gd name="connsiteY5" fmla="*/ 0 h 18288"/>
+              <a:gd name="connsiteX6" fmla="*/ 3983126 w 9957816"/>
+              <a:gd name="connsiteY6" fmla="*/ 0 h 18288"/>
+              <a:gd name="connsiteX7" fmla="*/ 4348246 w 9957816"/>
+              <a:gd name="connsiteY7" fmla="*/ 0 h 18288"/>
+              <a:gd name="connsiteX8" fmla="*/ 4713366 w 9957816"/>
+              <a:gd name="connsiteY8" fmla="*/ 0 h 18288"/>
+              <a:gd name="connsiteX9" fmla="*/ 5576377 w 9957816"/>
+              <a:gd name="connsiteY9" fmla="*/ 0 h 18288"/>
+              <a:gd name="connsiteX10" fmla="*/ 6240231 w 9957816"/>
+              <a:gd name="connsiteY10" fmla="*/ 0 h 18288"/>
+              <a:gd name="connsiteX11" fmla="*/ 6605351 w 9957816"/>
+              <a:gd name="connsiteY11" fmla="*/ 0 h 18288"/>
+              <a:gd name="connsiteX12" fmla="*/ 7269206 w 9957816"/>
+              <a:gd name="connsiteY12" fmla="*/ 0 h 18288"/>
+              <a:gd name="connsiteX13" fmla="*/ 8132216 w 9957816"/>
+              <a:gd name="connsiteY13" fmla="*/ 0 h 18288"/>
+              <a:gd name="connsiteX14" fmla="*/ 8696493 w 9957816"/>
+              <a:gd name="connsiteY14" fmla="*/ 0 h 18288"/>
+              <a:gd name="connsiteX15" fmla="*/ 9260769 w 9957816"/>
+              <a:gd name="connsiteY15" fmla="*/ 0 h 18288"/>
+              <a:gd name="connsiteX16" fmla="*/ 9957816 w 9957816"/>
+              <a:gd name="connsiteY16" fmla="*/ 0 h 18288"/>
+              <a:gd name="connsiteX17" fmla="*/ 9957816 w 9957816"/>
+              <a:gd name="connsiteY17" fmla="*/ 18288 h 18288"/>
+              <a:gd name="connsiteX18" fmla="*/ 9293962 w 9957816"/>
+              <a:gd name="connsiteY18" fmla="*/ 18288 h 18288"/>
+              <a:gd name="connsiteX19" fmla="*/ 8530529 w 9957816"/>
+              <a:gd name="connsiteY19" fmla="*/ 18288 h 18288"/>
+              <a:gd name="connsiteX20" fmla="*/ 7767096 w 9957816"/>
+              <a:gd name="connsiteY20" fmla="*/ 18288 h 18288"/>
+              <a:gd name="connsiteX21" fmla="*/ 7302398 w 9957816"/>
+              <a:gd name="connsiteY21" fmla="*/ 18288 h 18288"/>
+              <a:gd name="connsiteX22" fmla="*/ 6439388 w 9957816"/>
+              <a:gd name="connsiteY22" fmla="*/ 18288 h 18288"/>
+              <a:gd name="connsiteX23" fmla="*/ 5775533 w 9957816"/>
+              <a:gd name="connsiteY23" fmla="*/ 18288 h 18288"/>
+              <a:gd name="connsiteX24" fmla="*/ 5410413 w 9957816"/>
+              <a:gd name="connsiteY24" fmla="*/ 18288 h 18288"/>
+              <a:gd name="connsiteX25" fmla="*/ 4746559 w 9957816"/>
+              <a:gd name="connsiteY25" fmla="*/ 18288 h 18288"/>
+              <a:gd name="connsiteX26" fmla="*/ 4182283 w 9957816"/>
+              <a:gd name="connsiteY26" fmla="*/ 18288 h 18288"/>
+              <a:gd name="connsiteX27" fmla="*/ 3618006 w 9957816"/>
+              <a:gd name="connsiteY27" fmla="*/ 18288 h 18288"/>
+              <a:gd name="connsiteX28" fmla="*/ 3053730 w 9957816"/>
+              <a:gd name="connsiteY28" fmla="*/ 18288 h 18288"/>
+              <a:gd name="connsiteX29" fmla="*/ 2489454 w 9957816"/>
+              <a:gd name="connsiteY29" fmla="*/ 18288 h 18288"/>
+              <a:gd name="connsiteX30" fmla="*/ 1726021 w 9957816"/>
+              <a:gd name="connsiteY30" fmla="*/ 18288 h 18288"/>
+              <a:gd name="connsiteX31" fmla="*/ 1062167 w 9957816"/>
+              <a:gd name="connsiteY31" fmla="*/ 18288 h 18288"/>
+              <a:gd name="connsiteX32" fmla="*/ 697047 w 9957816"/>
+              <a:gd name="connsiteY32" fmla="*/ 18288 h 18288"/>
+              <a:gd name="connsiteX33" fmla="*/ 0 w 9957816"/>
+              <a:gd name="connsiteY33" fmla="*/ 18288 h 18288"/>
+              <a:gd name="connsiteX34" fmla="*/ 0 w 9957816"/>
+              <a:gd name="connsiteY34" fmla="*/ 0 h 18288"/>
+            </a:gdLst>
+            <a:ahLst/>
+            <a:cxnLst>
+              <a:cxn ang="0">
+                <a:pos x="connsiteX0" y="connsiteY0"/>
+              </a:cxn>
+              <a:cxn ang="0">
+                <a:pos x="connsiteX1" y="connsiteY1"/>
+              </a:cxn>
+              <a:cxn ang="0">
+                <a:pos x="connsiteX2" y="connsiteY2"/>
+              </a:cxn>
+              <a:cxn ang="0">
+                <a:pos x="connsiteX3" y="connsiteY3"/>
+              </a:cxn>
+              <a:cxn ang="0">
+                <a:pos x="connsiteX4" y="connsiteY4"/>
+              </a:cxn>
+              <a:cxn ang="0">
+                <a:pos x="connsiteX5" y="connsiteY5"/>
+              </a:cxn>
+              <a:cxn ang="0">
+                <a:pos x="connsiteX6" y="connsiteY6"/>
+              </a:cxn>
+              <a:cxn ang="0">
+                <a:pos x="connsiteX7" y="connsiteY7"/>
+              </a:cxn>
+              <a:cxn ang="0">
+                <a:pos x="connsiteX8" y="connsiteY8"/>
+              </a:cxn>
+              <a:cxn ang="0">
+                <a:pos x="connsiteX9" y="connsiteY9"/>
+              </a:cxn>
+              <a:cxn ang="0">
+                <a:pos x="connsiteX10" y="connsiteY10"/>
+              </a:cxn>
+              <a:cxn ang="0">
+                <a:pos x="connsiteX11" y="connsiteY11"/>
+              </a:cxn>
+              <a:cxn ang="0">
+                <a:pos x="connsiteX12" y="connsiteY12"/>
+              </a:cxn>
+              <a:cxn ang="0">
+                <a:pos x="connsiteX13" y="connsiteY13"/>
+              </a:cxn>
+              <a:cxn ang="0">
+                <a:pos x="connsiteX14" y="connsiteY14"/>
+              </a:cxn>
+              <a:cxn ang="0">
+                <a:pos x="connsiteX15" y="connsiteY15"/>
+              </a:cxn>
+              <a:cxn ang="0">
+                <a:pos x="connsiteX16" y="connsiteY16"/>
+              </a:cxn>
+              <a:cxn ang="0">
+                <a:pos x="connsiteX17" y="connsiteY17"/>
+              </a:cxn>
+              <a:cxn ang="0">
+                <a:pos x="connsiteX18" y="connsiteY18"/>
+              </a:cxn>
+              <a:cxn ang="0">
+                <a:pos x="connsiteX19" y="connsiteY19"/>
+              </a:cxn>
+              <a:cxn ang="0">
+                <a:pos x="connsiteX20" y="connsiteY20"/>
+              </a:cxn>
+              <a:cxn ang="0">
+                <a:pos x="connsiteX21" y="connsiteY21"/>
+              </a:cxn>
+              <a:cxn ang="0">
+                <a:pos x="connsiteX22" y="connsiteY22"/>
+              </a:cxn>
+              <a:cxn ang="0">
+                <a:pos x="connsiteX23" y="connsiteY23"/>
+              </a:cxn>
+              <a:cxn ang="0">
+                <a:pos x="connsiteX24" y="connsiteY24"/>
+              </a:cxn>
+              <a:cxn ang="0">
+                <a:pos x="connsiteX25" y="connsiteY25"/>
+              </a:cxn>
+              <a:cxn ang="0">
+                <a:pos x="connsiteX26" y="connsiteY26"/>
+              </a:cxn>
+              <a:cxn ang="0">
+                <a:pos x="connsiteX27" y="connsiteY27"/>
+              </a:cxn>
+              <a:cxn ang="0">
+                <a:pos x="connsiteX28" y="connsiteY28"/>
+              </a:cxn>
+              <a:cxn ang="0">
+                <a:pos x="connsiteX29" y="connsiteY29"/>
+              </a:cxn>
+              <a:cxn ang="0">
+                <a:pos x="connsiteX30" y="connsiteY30"/>
+              </a:cxn>
+              <a:cxn ang="0">
+                <a:pos x="connsiteX31" y="connsiteY31"/>
+              </a:cxn>
+              <a:cxn ang="0">
+                <a:pos x="connsiteX32" y="connsiteY32"/>
+              </a:cxn>
+              <a:cxn ang="0">
+                <a:pos x="connsiteX33" y="connsiteY33"/>
+              </a:cxn>
+              <a:cxn ang="0">
+                <a:pos x="connsiteX34" y="connsiteY34"/>
+              </a:cxn>
+            </a:cxnLst>
+            <a:rect l="l" t="t" r="r" b="b"/>
+            <a:pathLst>
+              <a:path w="9957816" h="18288" fill="none" extrusionOk="0">
+                <a:moveTo>
+                  <a:pt x="0" y="0"/>
+                </a:moveTo>
+                <a:cubicBezTo>
+                  <a:pt x="258912" y="4528"/>
+                  <a:pt x="602792" y="35413"/>
+                  <a:pt x="863011" y="0"/>
+                </a:cubicBezTo>
+                <a:cubicBezTo>
+                  <a:pt x="1123230" y="-35413"/>
+                  <a:pt x="1110743" y="8950"/>
+                  <a:pt x="1327709" y="0"/>
+                </a:cubicBezTo>
+                <a:cubicBezTo>
+                  <a:pt x="1544675" y="-8950"/>
+                  <a:pt x="1720121" y="-30004"/>
+                  <a:pt x="2091141" y="0"/>
+                </a:cubicBezTo>
+                <a:cubicBezTo>
+                  <a:pt x="2462161" y="30004"/>
+                  <a:pt x="2325710" y="-22120"/>
+                  <a:pt x="2555839" y="0"/>
+                </a:cubicBezTo>
+                <a:cubicBezTo>
+                  <a:pt x="2785968" y="22120"/>
+                  <a:pt x="2943172" y="14890"/>
+                  <a:pt x="3219694" y="0"/>
+                </a:cubicBezTo>
+                <a:cubicBezTo>
+                  <a:pt x="3496216" y="-14890"/>
+                  <a:pt x="3789247" y="-1477"/>
+                  <a:pt x="3983126" y="0"/>
+                </a:cubicBezTo>
+                <a:cubicBezTo>
+                  <a:pt x="4177005" y="1477"/>
+                  <a:pt x="4180112" y="16397"/>
+                  <a:pt x="4348246" y="0"/>
+                </a:cubicBezTo>
+                <a:cubicBezTo>
+                  <a:pt x="4516380" y="-16397"/>
+                  <a:pt x="4601818" y="4117"/>
+                  <a:pt x="4713366" y="0"/>
+                </a:cubicBezTo>
+                <a:cubicBezTo>
+                  <a:pt x="4824914" y="-4117"/>
+                  <a:pt x="5400642" y="663"/>
+                  <a:pt x="5576377" y="0"/>
+                </a:cubicBezTo>
+                <a:cubicBezTo>
+                  <a:pt x="5752112" y="-663"/>
+                  <a:pt x="6036350" y="11452"/>
+                  <a:pt x="6240231" y="0"/>
+                </a:cubicBezTo>
+                <a:cubicBezTo>
+                  <a:pt x="6444112" y="-11452"/>
+                  <a:pt x="6508667" y="-15154"/>
+                  <a:pt x="6605351" y="0"/>
+                </a:cubicBezTo>
+                <a:cubicBezTo>
+                  <a:pt x="6702035" y="15154"/>
+                  <a:pt x="7096186" y="19291"/>
+                  <a:pt x="7269206" y="0"/>
+                </a:cubicBezTo>
+                <a:cubicBezTo>
+                  <a:pt x="7442227" y="-19291"/>
+                  <a:pt x="7802902" y="39720"/>
+                  <a:pt x="8132216" y="0"/>
+                </a:cubicBezTo>
+                <a:cubicBezTo>
+                  <a:pt x="8461530" y="-39720"/>
+                  <a:pt x="8551221" y="24341"/>
+                  <a:pt x="8696493" y="0"/>
+                </a:cubicBezTo>
+                <a:cubicBezTo>
+                  <a:pt x="8841765" y="-24341"/>
+                  <a:pt x="9091257" y="15574"/>
+                  <a:pt x="9260769" y="0"/>
+                </a:cubicBezTo>
+                <a:cubicBezTo>
+                  <a:pt x="9430281" y="-15574"/>
+                  <a:pt x="9809458" y="-15806"/>
+                  <a:pt x="9957816" y="0"/>
+                </a:cubicBezTo>
+                <a:cubicBezTo>
+                  <a:pt x="9958154" y="7640"/>
+                  <a:pt x="9957366" y="11289"/>
+                  <a:pt x="9957816" y="18288"/>
+                </a:cubicBezTo>
+                <a:cubicBezTo>
+                  <a:pt x="9789958" y="23645"/>
+                  <a:pt x="9437684" y="-10787"/>
+                  <a:pt x="9293962" y="18288"/>
+                </a:cubicBezTo>
+                <a:cubicBezTo>
+                  <a:pt x="9150240" y="47363"/>
+                  <a:pt x="8858466" y="6899"/>
+                  <a:pt x="8530529" y="18288"/>
+                </a:cubicBezTo>
+                <a:cubicBezTo>
+                  <a:pt x="8202592" y="29677"/>
+                  <a:pt x="8042036" y="-12845"/>
+                  <a:pt x="7767096" y="18288"/>
+                </a:cubicBezTo>
+                <a:cubicBezTo>
+                  <a:pt x="7492156" y="49421"/>
+                  <a:pt x="7464764" y="38557"/>
+                  <a:pt x="7302398" y="18288"/>
+                </a:cubicBezTo>
+                <a:cubicBezTo>
+                  <a:pt x="7140032" y="-1981"/>
+                  <a:pt x="6674139" y="-20177"/>
+                  <a:pt x="6439388" y="18288"/>
+                </a:cubicBezTo>
+                <a:cubicBezTo>
+                  <a:pt x="6204637" y="56753"/>
+                  <a:pt x="6044763" y="2398"/>
+                  <a:pt x="5775533" y="18288"/>
+                </a:cubicBezTo>
+                <a:cubicBezTo>
+                  <a:pt x="5506303" y="34178"/>
+                  <a:pt x="5528640" y="8636"/>
+                  <a:pt x="5410413" y="18288"/>
+                </a:cubicBezTo>
+                <a:cubicBezTo>
+                  <a:pt x="5292186" y="27940"/>
+                  <a:pt x="4880771" y="-3659"/>
+                  <a:pt x="4746559" y="18288"/>
+                </a:cubicBezTo>
+                <a:cubicBezTo>
+                  <a:pt x="4612347" y="40235"/>
+                  <a:pt x="4346390" y="46329"/>
+                  <a:pt x="4182283" y="18288"/>
+                </a:cubicBezTo>
+                <a:cubicBezTo>
+                  <a:pt x="4018176" y="-9753"/>
+                  <a:pt x="3743247" y="40654"/>
+                  <a:pt x="3618006" y="18288"/>
+                </a:cubicBezTo>
+                <a:cubicBezTo>
+                  <a:pt x="3492765" y="-4078"/>
+                  <a:pt x="3201495" y="15624"/>
+                  <a:pt x="3053730" y="18288"/>
+                </a:cubicBezTo>
+                <a:cubicBezTo>
+                  <a:pt x="2905965" y="20952"/>
+                  <a:pt x="2770855" y="10382"/>
+                  <a:pt x="2489454" y="18288"/>
+                </a:cubicBezTo>
+                <a:cubicBezTo>
+                  <a:pt x="2208053" y="26194"/>
+                  <a:pt x="1999579" y="12705"/>
+                  <a:pt x="1726021" y="18288"/>
+                </a:cubicBezTo>
+                <a:cubicBezTo>
+                  <a:pt x="1452463" y="23871"/>
+                  <a:pt x="1261725" y="2423"/>
+                  <a:pt x="1062167" y="18288"/>
+                </a:cubicBezTo>
+                <a:cubicBezTo>
+                  <a:pt x="862609" y="34153"/>
+                  <a:pt x="828837" y="34680"/>
+                  <a:pt x="697047" y="18288"/>
+                </a:cubicBezTo>
+                <a:cubicBezTo>
+                  <a:pt x="565257" y="1896"/>
+                  <a:pt x="290333" y="-12656"/>
+                  <a:pt x="0" y="18288"/>
+                </a:cubicBezTo>
+                <a:cubicBezTo>
+                  <a:pt x="-82" y="11708"/>
+                  <a:pt x="-178" y="8956"/>
+                  <a:pt x="0" y="0"/>
+                </a:cubicBezTo>
+                <a:close/>
+              </a:path>
+              <a:path w="9957816" h="18288" stroke="0" extrusionOk="0">
+                <a:moveTo>
+                  <a:pt x="0" y="0"/>
+                </a:moveTo>
+                <a:cubicBezTo>
+                  <a:pt x="239894" y="-13568"/>
+                  <a:pt x="444306" y="20490"/>
+                  <a:pt x="564276" y="0"/>
+                </a:cubicBezTo>
+                <a:cubicBezTo>
+                  <a:pt x="684246" y="-20490"/>
+                  <a:pt x="829702" y="-16311"/>
+                  <a:pt x="929396" y="0"/>
+                </a:cubicBezTo>
+                <a:cubicBezTo>
+                  <a:pt x="1029090" y="16311"/>
+                  <a:pt x="1434080" y="4599"/>
+                  <a:pt x="1792407" y="0"/>
+                </a:cubicBezTo>
+                <a:cubicBezTo>
+                  <a:pt x="2150734" y="-4599"/>
+                  <a:pt x="2230922" y="-3217"/>
+                  <a:pt x="2356683" y="0"/>
+                </a:cubicBezTo>
+                <a:cubicBezTo>
+                  <a:pt x="2482444" y="3217"/>
+                  <a:pt x="2727176" y="10118"/>
+                  <a:pt x="2920959" y="0"/>
+                </a:cubicBezTo>
+                <a:cubicBezTo>
+                  <a:pt x="3114742" y="-10118"/>
+                  <a:pt x="3583268" y="6126"/>
+                  <a:pt x="3783970" y="0"/>
+                </a:cubicBezTo>
+                <a:cubicBezTo>
+                  <a:pt x="3984672" y="-6126"/>
+                  <a:pt x="4119530" y="12121"/>
+                  <a:pt x="4248668" y="0"/>
+                </a:cubicBezTo>
+                <a:cubicBezTo>
+                  <a:pt x="4377806" y="-12121"/>
+                  <a:pt x="4830370" y="39306"/>
+                  <a:pt x="5111679" y="0"/>
+                </a:cubicBezTo>
+                <a:cubicBezTo>
+                  <a:pt x="5392988" y="-39306"/>
+                  <a:pt x="5595981" y="-37432"/>
+                  <a:pt x="5974690" y="0"/>
+                </a:cubicBezTo>
+                <a:cubicBezTo>
+                  <a:pt x="6353399" y="37432"/>
+                  <a:pt x="6382398" y="-32218"/>
+                  <a:pt x="6638544" y="0"/>
+                </a:cubicBezTo>
+                <a:cubicBezTo>
+                  <a:pt x="6894690" y="32218"/>
+                  <a:pt x="7107197" y="-8479"/>
+                  <a:pt x="7501555" y="0"/>
+                </a:cubicBezTo>
+                <a:cubicBezTo>
+                  <a:pt x="7895913" y="8479"/>
+                  <a:pt x="7913370" y="-2556"/>
+                  <a:pt x="8065831" y="0"/>
+                </a:cubicBezTo>
+                <a:cubicBezTo>
+                  <a:pt x="8218292" y="2556"/>
+                  <a:pt x="8391465" y="4509"/>
+                  <a:pt x="8630107" y="0"/>
+                </a:cubicBezTo>
+                <a:cubicBezTo>
+                  <a:pt x="8868749" y="-4509"/>
+                  <a:pt x="9078381" y="-9348"/>
+                  <a:pt x="9393540" y="0"/>
+                </a:cubicBezTo>
+                <a:cubicBezTo>
+                  <a:pt x="9708699" y="9348"/>
+                  <a:pt x="9789190" y="-16759"/>
+                  <a:pt x="9957816" y="0"/>
+                </a:cubicBezTo>
+                <a:cubicBezTo>
+                  <a:pt x="9957941" y="4395"/>
+                  <a:pt x="9957741" y="9776"/>
+                  <a:pt x="9957816" y="18288"/>
+                </a:cubicBezTo>
+                <a:cubicBezTo>
+                  <a:pt x="9649812" y="40651"/>
+                  <a:pt x="9486007" y="41594"/>
+                  <a:pt x="9194383" y="18288"/>
+                </a:cubicBezTo>
+                <a:cubicBezTo>
+                  <a:pt x="8902759" y="-5018"/>
+                  <a:pt x="8744094" y="43814"/>
+                  <a:pt x="8530529" y="18288"/>
+                </a:cubicBezTo>
+                <a:cubicBezTo>
+                  <a:pt x="8316964" y="-7238"/>
+                  <a:pt x="8282371" y="24093"/>
+                  <a:pt x="8165409" y="18288"/>
+                </a:cubicBezTo>
+                <a:cubicBezTo>
+                  <a:pt x="8048447" y="12483"/>
+                  <a:pt x="7851788" y="12040"/>
+                  <a:pt x="7700711" y="18288"/>
+                </a:cubicBezTo>
+                <a:cubicBezTo>
+                  <a:pt x="7549634" y="24536"/>
+                  <a:pt x="7127225" y="27915"/>
+                  <a:pt x="6837700" y="18288"/>
+                </a:cubicBezTo>
+                <a:cubicBezTo>
+                  <a:pt x="6548175" y="8661"/>
+                  <a:pt x="6330711" y="50037"/>
+                  <a:pt x="6173846" y="18288"/>
+                </a:cubicBezTo>
+                <a:cubicBezTo>
+                  <a:pt x="6016981" y="-13461"/>
+                  <a:pt x="5930031" y="15985"/>
+                  <a:pt x="5709148" y="18288"/>
+                </a:cubicBezTo>
+                <a:cubicBezTo>
+                  <a:pt x="5488265" y="20591"/>
+                  <a:pt x="5372997" y="43097"/>
+                  <a:pt x="5045293" y="18288"/>
+                </a:cubicBezTo>
+                <a:cubicBezTo>
+                  <a:pt x="4717590" y="-6521"/>
+                  <a:pt x="4829875" y="6803"/>
+                  <a:pt x="4680174" y="18288"/>
+                </a:cubicBezTo>
+                <a:cubicBezTo>
+                  <a:pt x="4530473" y="29773"/>
+                  <a:pt x="4441300" y="27030"/>
+                  <a:pt x="4315054" y="18288"/>
+                </a:cubicBezTo>
+                <a:cubicBezTo>
+                  <a:pt x="4188808" y="9546"/>
+                  <a:pt x="3846162" y="4446"/>
+                  <a:pt x="3651199" y="18288"/>
+                </a:cubicBezTo>
+                <a:cubicBezTo>
+                  <a:pt x="3456236" y="32130"/>
+                  <a:pt x="3412656" y="-1324"/>
+                  <a:pt x="3186501" y="18288"/>
+                </a:cubicBezTo>
+                <a:cubicBezTo>
+                  <a:pt x="2960346" y="37900"/>
+                  <a:pt x="2783091" y="19872"/>
+                  <a:pt x="2423069" y="18288"/>
+                </a:cubicBezTo>
+                <a:cubicBezTo>
+                  <a:pt x="2063047" y="16704"/>
+                  <a:pt x="2066062" y="18692"/>
+                  <a:pt x="1958370" y="18288"/>
+                </a:cubicBezTo>
+                <a:cubicBezTo>
+                  <a:pt x="1850678" y="17884"/>
+                  <a:pt x="1403255" y="47471"/>
+                  <a:pt x="1194938" y="18288"/>
+                </a:cubicBezTo>
+                <a:cubicBezTo>
+                  <a:pt x="986621" y="-10895"/>
+                  <a:pt x="986435" y="4670"/>
+                  <a:pt x="829818" y="18288"/>
+                </a:cubicBezTo>
+                <a:cubicBezTo>
+                  <a:pt x="673201" y="31906"/>
+                  <a:pt x="178831" y="-2639"/>
+                  <a:pt x="0" y="18288"/>
+                </a:cubicBezTo>
+                <a:cubicBezTo>
+                  <a:pt x="-504" y="12101"/>
+                  <a:pt x="-591" y="7719"/>
+                  <a:pt x="0" y="0"/>
+                </a:cubicBezTo>
+                <a:close/>
+              </a:path>
+            </a:pathLst>
+          </a:custGeom>
+          <a:solidFill>
+            <a:schemeClr val="bg1"/>
+          </a:solidFill>
+          <a:ln w="38100" cap="rnd">
+            <a:solidFill>
+              <a:schemeClr val="bg1"/>
+            </a:solidFill>
+            <a:round/>
+            <a:extLst>
+              <a:ext uri="{C807C97D-BFC1-408E-A445-0C87EB9F89A2}">
+                <ask:lineSketchStyleProps xmlns:ask="http://schemas.microsoft.com/office/drawing/2018/sketchyshapes" sd="1219033472">
+                  <a:prstGeom prst="rect">
+                    <a:avLst/>
+                  </a:prstGeom>
+                  <ask:type>
+                    <ask:lineSketchFreehand/>
+                  </ask:type>
+                </ask:lineSketchStyleProps>
+              </a:ext>
+            </a:extLst>
+          </a:ln>
+        </p:spPr>
+        <p:style>
+          <a:lnRef idx="2">
+            <a:schemeClr val="accent1">
+              <a:shade val="50000"/>
+            </a:schemeClr>
+          </a:lnRef>
+          <a:fillRef idx="1">
+            <a:schemeClr val="accent1"/>
+          </a:fillRef>
+          <a:effectRef idx="0">
+            <a:schemeClr val="accent1"/>
+          </a:effectRef>
+          <a:fontRef idx="minor">
+            <a:schemeClr val="lt1"/>
+          </a:fontRef>
+        </p:style>
+        <p:txBody>
+          <a:bodyPr rtlCol="0" anchor="ctr"/>
+          <a:lstStyle/>
+          <a:p>
+            <a:pPr algn="ctr"/>
+            <a:endParaRPr lang="en-US"/>
+          </a:p>
+        </p:txBody>
+      </p:sp>
+      <p:sp>
+        <p:nvSpPr>
+          <p:cNvPr id="3" name="Content Placeholder 2">
+            <a:extLst>
+              <a:ext uri="{FF2B5EF4-FFF2-40B4-BE49-F238E27FC236}">
+                <a16:creationId xmlns:a16="http://schemas.microsoft.com/office/drawing/2014/main" id="{BF3CC55C-055D-0740-BEEF-04AF8A628838}"/>
+              </a:ext>
+            </a:extLst>
+          </p:cNvPr>
+          <p:cNvSpPr>
+            <a:spLocks noGrp="1"/>
+          </p:cNvSpPr>
+          <p:nvPr>
+            <p:ph idx="1"/>
+          </p:nvPr>
+        </p:nvSpPr>
+        <p:spPr>
+          <a:xfrm>
+            <a:off x="1151467" y="2607733"/>
+            <a:ext cx="9889067" cy="3285067"/>
+          </a:xfrm>
+        </p:spPr>
+        <p:txBody>
+          <a:bodyPr>
+            <a:normAutofit/>
+          </a:bodyPr>
+          <a:lstStyle/>
+          <a:p>
+            <a:r>
+              <a:rPr lang="en-CN" dirty="0">
+                <a:solidFill>
+                  <a:schemeClr val="bg1"/>
+                </a:solidFill>
+              </a:rPr>
+              <a:t>4 Enterprise: </a:t>
+            </a:r>
+            <a:r>
+              <a:rPr lang="en-US" dirty="0">
+                <a:solidFill>
+                  <a:schemeClr val="bg1"/>
+                </a:solidFill>
+              </a:rPr>
+              <a:t>Food retailer, Costume retailer, Delivery company, BBX shopping platform</a:t>
+            </a:r>
+          </a:p>
+          <a:p>
+            <a:r>
+              <a:rPr lang="en-US" dirty="0">
+                <a:solidFill>
+                  <a:schemeClr val="bg1"/>
+                </a:solidFill>
+              </a:rPr>
+              <a:t>8 Organization: Food supplier, Food order management, Costume supplier, Costume order management, Delivery service department, Customer payment, Recommend system, Customer service</a:t>
+            </a:r>
+          </a:p>
+          <a:p>
+            <a:r>
+              <a:rPr lang="en-US" dirty="0">
+                <a:solidFill>
+                  <a:schemeClr val="bg1"/>
+                </a:solidFill>
+              </a:rPr>
+              <a:t>10 Roles: System administrator, Customer, Food retailer manager, Food order manager, Costume retailer manager, Costume order manager, Delivery manager, Delivery man, Platform manager, Customer manager</a:t>
+            </a:r>
+          </a:p>
+          <a:p>
+            <a:endParaRPr lang="en-CN" dirty="0">
+              <a:solidFill>
+                <a:schemeClr val="bg1"/>
+              </a:solidFill>
+            </a:endParaRPr>
+          </a:p>
+        </p:txBody>
+      </p:sp>
+    </p:spTree>
+    <p:extLst>
+      <p:ext uri="{BB962C8B-B14F-4D97-AF65-F5344CB8AC3E}">
+        <p14:creationId xmlns:p14="http://schemas.microsoft.com/office/powerpoint/2010/main" val="966609493"/>
+      </p:ext>
+    </p:extLst>
+  </p:cSld>
+  <p:clrMapOvr>
+    <a:masterClrMapping/>
+  </p:clrMapOvr>
+</p:sld>
+</file>
+
+<file path=ppt/slides/slide5.xml><?xml version="1.0" encoding="utf-8"?>
+<p:sld xmlns:a="http://schemas.openxmlformats.org/drawingml/2006/main" xmlns:r="http://schemas.openxmlformats.org/officeDocument/2006/relationships" xmlns:p="http://schemas.openxmlformats.org/presentationml/2006/main">
+  <p:cSld>
+    <p:bg>
+      <p:bgPr>
+        <a:solidFill>
+          <a:schemeClr val="bg1"/>
+        </a:solidFill>
+        <a:effectLst/>
+      </p:bgPr>
+    </p:bg>
+    <p:spTree>
+      <p:nvGrpSpPr>
+        <p:cNvPr id="1" name=""/>
+        <p:cNvGrpSpPr/>
+        <p:nvPr/>
+      </p:nvGrpSpPr>
+      <p:grpSpPr>
+        <a:xfrm>
+          <a:off x="0" y="0"/>
+          <a:ext cx="0" cy="0"/>
+          <a:chOff x="0" y="0"/>
+          <a:chExt cx="0" cy="0"/>
+        </a:xfrm>
+      </p:grpSpPr>
+      <p:sp>
+        <p:nvSpPr>
+          <p:cNvPr id="31" name="Rectangle 6">
             <a:extLst>
               <a:ext uri="{FF2B5EF4-FFF2-40B4-BE49-F238E27FC236}">
                 <a16:creationId xmlns:a16="http://schemas.microsoft.com/office/drawing/2014/main" id="{DA381740-063A-41A4-836D-85D14980EEF0}"/>
@@ -8484,6 +10618,790 @@
       </p:sp>
       <p:sp useBgFill="1">
         <p:nvSpPr>
+          <p:cNvPr id="32" name="Rectangle 22">
+            <a:extLst>
+              <a:ext uri="{FF2B5EF4-FFF2-40B4-BE49-F238E27FC236}">
+                <a16:creationId xmlns:a16="http://schemas.microsoft.com/office/drawing/2014/main" id="{665DBBEF-238B-476B-96AB-8AAC3224ECEA}"/>
+              </a:ext>
+              <a:ext uri="{C183D7F6-B498-43B3-948B-1728B52AA6E4}">
+                <adec:decorative xmlns:adec="http://schemas.microsoft.com/office/drawing/2017/decorative" val="1"/>
+              </a:ext>
+            </a:extLst>
+          </p:cNvPr>
+          <p:cNvSpPr>
+            <a:spLocks noGrp="1" noRot="1" noChangeAspect="1" noMove="1" noResize="1" noEditPoints="1" noAdjustHandles="1" noChangeArrowheads="1" noChangeShapeType="1" noTextEdit="1"/>
+          </p:cNvSpPr>
+          <p:nvPr>
+            <p:extLst>
+              <p:ext uri="{386F3935-93C4-4BCD-93E2-E3B085C9AB24}">
+                <p16:designElem xmlns:p16="http://schemas.microsoft.com/office/powerpoint/2015/main" val="1"/>
+              </p:ext>
+            </p:extLst>
+          </p:nvPr>
+        </p:nvSpPr>
+        <p:spPr>
+          <a:xfrm>
+            <a:off x="0" y="0"/>
+            <a:ext cx="12192000" cy="6858000"/>
+          </a:xfrm>
+          <a:prstGeom prst="rect">
+            <a:avLst/>
+          </a:prstGeom>
+          <a:ln>
+            <a:noFill/>
+          </a:ln>
+        </p:spPr>
+        <p:style>
+          <a:lnRef idx="2">
+            <a:schemeClr val="accent1">
+              <a:shade val="50000"/>
+            </a:schemeClr>
+          </a:lnRef>
+          <a:fillRef idx="1">
+            <a:schemeClr val="accent1"/>
+          </a:fillRef>
+          <a:effectRef idx="0">
+            <a:schemeClr val="accent1"/>
+          </a:effectRef>
+          <a:fontRef idx="minor">
+            <a:schemeClr val="lt1"/>
+          </a:fontRef>
+        </p:style>
+        <p:txBody>
+          <a:bodyPr rtlCol="0" anchor="ctr"/>
+          <a:lstStyle/>
+          <a:p>
+            <a:pPr algn="ctr"/>
+            <a:endParaRPr lang="en-US"/>
+          </a:p>
+        </p:txBody>
+      </p:sp>
+      <p:sp>
+        <p:nvSpPr>
+          <p:cNvPr id="2" name="Title 1">
+            <a:extLst>
+              <a:ext uri="{FF2B5EF4-FFF2-40B4-BE49-F238E27FC236}">
+                <a16:creationId xmlns:a16="http://schemas.microsoft.com/office/drawing/2014/main" id="{F0941E9B-298B-CE42-A3EB-1E33602A014B}"/>
+              </a:ext>
+            </a:extLst>
+          </p:cNvPr>
+          <p:cNvSpPr>
+            <a:spLocks noGrp="1"/>
+          </p:cNvSpPr>
+          <p:nvPr>
+            <p:ph type="title"/>
+          </p:nvPr>
+        </p:nvSpPr>
+        <p:spPr>
+          <a:xfrm>
+            <a:off x="638882" y="639193"/>
+            <a:ext cx="3571810" cy="3573516"/>
+          </a:xfrm>
+        </p:spPr>
+        <p:txBody>
+          <a:bodyPr vert="horz" lIns="91440" tIns="45720" rIns="91440" bIns="45720" rtlCol="0" anchor="b">
+            <a:normAutofit/>
+          </a:bodyPr>
+          <a:lstStyle/>
+          <a:p>
+            <a:r>
+              <a:rPr lang="en-US" altLang="zh-CN" sz="5800" dirty="0"/>
+              <a:t>System Structure</a:t>
+            </a:r>
+            <a:endParaRPr lang="en-US" sz="5800" dirty="0"/>
+          </a:p>
+        </p:txBody>
+      </p:sp>
+      <p:sp>
+        <p:nvSpPr>
+          <p:cNvPr id="33" name="Rectangle 6">
+            <a:extLst>
+              <a:ext uri="{FF2B5EF4-FFF2-40B4-BE49-F238E27FC236}">
+                <a16:creationId xmlns:a16="http://schemas.microsoft.com/office/drawing/2014/main" id="{3FCFB1DE-0B7E-48CC-BA90-B2AB0889F9D6}"/>
+              </a:ext>
+              <a:ext uri="{C183D7F6-B498-43B3-948B-1728B52AA6E4}">
+                <adec:decorative xmlns:adec="http://schemas.microsoft.com/office/drawing/2017/decorative" val="1"/>
+              </a:ext>
+            </a:extLst>
+          </p:cNvPr>
+          <p:cNvSpPr>
+            <a:spLocks noGrp="1" noRot="1" noChangeAspect="1" noMove="1" noResize="1" noEditPoints="1" noAdjustHandles="1" noChangeArrowheads="1" noChangeShapeType="1" noTextEdit="1"/>
+          </p:cNvSpPr>
+          <p:nvPr>
+            <p:extLst>
+              <p:ext uri="{386F3935-93C4-4BCD-93E2-E3B085C9AB24}">
+                <p16:designElem xmlns:p16="http://schemas.microsoft.com/office/powerpoint/2015/main" val="1"/>
+              </p:ext>
+            </p:extLst>
+          </p:nvPr>
+        </p:nvSpPr>
+        <p:spPr>
+          <a:xfrm>
+            <a:off x="643278" y="4409267"/>
+            <a:ext cx="3255095" cy="27432"/>
+          </a:xfrm>
+          <a:custGeom>
+            <a:avLst/>
+            <a:gdLst>
+              <a:gd name="connsiteX0" fmla="*/ 0 w 3255095"/>
+              <a:gd name="connsiteY0" fmla="*/ 0 h 27432"/>
+              <a:gd name="connsiteX1" fmla="*/ 618468 w 3255095"/>
+              <a:gd name="connsiteY1" fmla="*/ 0 h 27432"/>
+              <a:gd name="connsiteX2" fmla="*/ 1269487 w 3255095"/>
+              <a:gd name="connsiteY2" fmla="*/ 0 h 27432"/>
+              <a:gd name="connsiteX3" fmla="*/ 1953057 w 3255095"/>
+              <a:gd name="connsiteY3" fmla="*/ 0 h 27432"/>
+              <a:gd name="connsiteX4" fmla="*/ 2636627 w 3255095"/>
+              <a:gd name="connsiteY4" fmla="*/ 0 h 27432"/>
+              <a:gd name="connsiteX5" fmla="*/ 3255095 w 3255095"/>
+              <a:gd name="connsiteY5" fmla="*/ 0 h 27432"/>
+              <a:gd name="connsiteX6" fmla="*/ 3255095 w 3255095"/>
+              <a:gd name="connsiteY6" fmla="*/ 27432 h 27432"/>
+              <a:gd name="connsiteX7" fmla="*/ 2538974 w 3255095"/>
+              <a:gd name="connsiteY7" fmla="*/ 27432 h 27432"/>
+              <a:gd name="connsiteX8" fmla="*/ 1822853 w 3255095"/>
+              <a:gd name="connsiteY8" fmla="*/ 27432 h 27432"/>
+              <a:gd name="connsiteX9" fmla="*/ 1171834 w 3255095"/>
+              <a:gd name="connsiteY9" fmla="*/ 27432 h 27432"/>
+              <a:gd name="connsiteX10" fmla="*/ 0 w 3255095"/>
+              <a:gd name="connsiteY10" fmla="*/ 27432 h 27432"/>
+              <a:gd name="connsiteX11" fmla="*/ 0 w 3255095"/>
+              <a:gd name="connsiteY11" fmla="*/ 0 h 27432"/>
+            </a:gdLst>
+            <a:ahLst/>
+            <a:cxnLst>
+              <a:cxn ang="0">
+                <a:pos x="connsiteX0" y="connsiteY0"/>
+              </a:cxn>
+              <a:cxn ang="0">
+                <a:pos x="connsiteX1" y="connsiteY1"/>
+              </a:cxn>
+              <a:cxn ang="0">
+                <a:pos x="connsiteX2" y="connsiteY2"/>
+              </a:cxn>
+              <a:cxn ang="0">
+                <a:pos x="connsiteX3" y="connsiteY3"/>
+              </a:cxn>
+              <a:cxn ang="0">
+                <a:pos x="connsiteX4" y="connsiteY4"/>
+              </a:cxn>
+              <a:cxn ang="0">
+                <a:pos x="connsiteX5" y="connsiteY5"/>
+              </a:cxn>
+              <a:cxn ang="0">
+                <a:pos x="connsiteX6" y="connsiteY6"/>
+              </a:cxn>
+              <a:cxn ang="0">
+                <a:pos x="connsiteX7" y="connsiteY7"/>
+              </a:cxn>
+              <a:cxn ang="0">
+                <a:pos x="connsiteX8" y="connsiteY8"/>
+              </a:cxn>
+              <a:cxn ang="0">
+                <a:pos x="connsiteX9" y="connsiteY9"/>
+              </a:cxn>
+              <a:cxn ang="0">
+                <a:pos x="connsiteX10" y="connsiteY10"/>
+              </a:cxn>
+              <a:cxn ang="0">
+                <a:pos x="connsiteX11" y="connsiteY11"/>
+              </a:cxn>
+            </a:cxnLst>
+            <a:rect l="l" t="t" r="r" b="b"/>
+            <a:pathLst>
+              <a:path w="3255095" h="27432" fill="none" extrusionOk="0">
+                <a:moveTo>
+                  <a:pt x="0" y="0"/>
+                </a:moveTo>
+                <a:cubicBezTo>
+                  <a:pt x="240201" y="-22123"/>
+                  <a:pt x="462021" y="-19623"/>
+                  <a:pt x="618468" y="0"/>
+                </a:cubicBezTo>
+                <a:cubicBezTo>
+                  <a:pt x="774915" y="19623"/>
+                  <a:pt x="974734" y="2035"/>
+                  <a:pt x="1269487" y="0"/>
+                </a:cubicBezTo>
+                <a:cubicBezTo>
+                  <a:pt x="1564240" y="-2035"/>
+                  <a:pt x="1733579" y="10639"/>
+                  <a:pt x="1953057" y="0"/>
+                </a:cubicBezTo>
+                <a:cubicBezTo>
+                  <a:pt x="2172535" y="-10639"/>
+                  <a:pt x="2453962" y="14018"/>
+                  <a:pt x="2636627" y="0"/>
+                </a:cubicBezTo>
+                <a:cubicBezTo>
+                  <a:pt x="2819292" y="-14018"/>
+                  <a:pt x="3121375" y="5399"/>
+                  <a:pt x="3255095" y="0"/>
+                </a:cubicBezTo>
+                <a:cubicBezTo>
+                  <a:pt x="3253929" y="7395"/>
+                  <a:pt x="3255140" y="21864"/>
+                  <a:pt x="3255095" y="27432"/>
+                </a:cubicBezTo>
+                <a:cubicBezTo>
+                  <a:pt x="3088545" y="32347"/>
+                  <a:pt x="2687475" y="16563"/>
+                  <a:pt x="2538974" y="27432"/>
+                </a:cubicBezTo>
+                <a:cubicBezTo>
+                  <a:pt x="2390473" y="38301"/>
+                  <a:pt x="2137381" y="185"/>
+                  <a:pt x="1822853" y="27432"/>
+                </a:cubicBezTo>
+                <a:cubicBezTo>
+                  <a:pt x="1508325" y="54679"/>
+                  <a:pt x="1466437" y="29529"/>
+                  <a:pt x="1171834" y="27432"/>
+                </a:cubicBezTo>
+                <a:cubicBezTo>
+                  <a:pt x="877231" y="25335"/>
+                  <a:pt x="561097" y="46787"/>
+                  <a:pt x="0" y="27432"/>
+                </a:cubicBezTo>
+                <a:cubicBezTo>
+                  <a:pt x="-503" y="20663"/>
+                  <a:pt x="1168" y="5855"/>
+                  <a:pt x="0" y="0"/>
+                </a:cubicBezTo>
+                <a:close/>
+              </a:path>
+              <a:path w="3255095" h="27432" stroke="0" extrusionOk="0">
+                <a:moveTo>
+                  <a:pt x="0" y="0"/>
+                </a:moveTo>
+                <a:cubicBezTo>
+                  <a:pt x="291965" y="19429"/>
+                  <a:pt x="363155" y="8568"/>
+                  <a:pt x="618468" y="0"/>
+                </a:cubicBezTo>
+                <a:cubicBezTo>
+                  <a:pt x="873781" y="-8568"/>
+                  <a:pt x="904459" y="-19505"/>
+                  <a:pt x="1171834" y="0"/>
+                </a:cubicBezTo>
+                <a:cubicBezTo>
+                  <a:pt x="1439209" y="19505"/>
+                  <a:pt x="1744369" y="9790"/>
+                  <a:pt x="1887955" y="0"/>
+                </a:cubicBezTo>
+                <a:cubicBezTo>
+                  <a:pt x="2031541" y="-9790"/>
+                  <a:pt x="2346378" y="21240"/>
+                  <a:pt x="2506423" y="0"/>
+                </a:cubicBezTo>
+                <a:cubicBezTo>
+                  <a:pt x="2666468" y="-21240"/>
+                  <a:pt x="2990257" y="30414"/>
+                  <a:pt x="3255095" y="0"/>
+                </a:cubicBezTo>
+                <a:cubicBezTo>
+                  <a:pt x="3255288" y="12649"/>
+                  <a:pt x="3254107" y="17989"/>
+                  <a:pt x="3255095" y="27432"/>
+                </a:cubicBezTo>
+                <a:cubicBezTo>
+                  <a:pt x="3120743" y="25834"/>
+                  <a:pt x="2759628" y="51606"/>
+                  <a:pt x="2604076" y="27432"/>
+                </a:cubicBezTo>
+                <a:cubicBezTo>
+                  <a:pt x="2448524" y="3258"/>
+                  <a:pt x="2184336" y="28743"/>
+                  <a:pt x="1887955" y="27432"/>
+                </a:cubicBezTo>
+                <a:cubicBezTo>
+                  <a:pt x="1591574" y="26121"/>
+                  <a:pt x="1548845" y="16014"/>
+                  <a:pt x="1334589" y="27432"/>
+                </a:cubicBezTo>
+                <a:cubicBezTo>
+                  <a:pt x="1120333" y="38850"/>
+                  <a:pt x="996014" y="18806"/>
+                  <a:pt x="683570" y="27432"/>
+                </a:cubicBezTo>
+                <a:cubicBezTo>
+                  <a:pt x="371126" y="36058"/>
+                  <a:pt x="198687" y="25311"/>
+                  <a:pt x="0" y="27432"/>
+                </a:cubicBezTo>
+                <a:cubicBezTo>
+                  <a:pt x="1300" y="19678"/>
+                  <a:pt x="-86" y="12044"/>
+                  <a:pt x="0" y="0"/>
+                </a:cubicBezTo>
+                <a:close/>
+              </a:path>
+            </a:pathLst>
+          </a:custGeom>
+          <a:solidFill>
+            <a:srgbClr val="E78129"/>
+          </a:solidFill>
+          <a:ln w="38100" cap="rnd">
+            <a:solidFill>
+              <a:srgbClr val="E78129"/>
+            </a:solidFill>
+            <a:round/>
+            <a:extLst>
+              <a:ext uri="{C807C97D-BFC1-408E-A445-0C87EB9F89A2}">
+                <ask:lineSketchStyleProps xmlns:ask="http://schemas.microsoft.com/office/drawing/2018/sketchyshapes" sd="1219033472">
+                  <a:prstGeom prst="rect">
+                    <a:avLst/>
+                  </a:prstGeom>
+                  <ask:type>
+                    <ask:lineSketchFreehand/>
+                  </ask:type>
+                </ask:lineSketchStyleProps>
+              </a:ext>
+            </a:extLst>
+          </a:ln>
+        </p:spPr>
+        <p:style>
+          <a:lnRef idx="2">
+            <a:schemeClr val="accent1">
+              <a:shade val="50000"/>
+            </a:schemeClr>
+          </a:lnRef>
+          <a:fillRef idx="1">
+            <a:schemeClr val="accent1"/>
+          </a:fillRef>
+          <a:effectRef idx="0">
+            <a:schemeClr val="accent1"/>
+          </a:effectRef>
+          <a:fontRef idx="minor">
+            <a:schemeClr val="lt1"/>
+          </a:fontRef>
+        </p:style>
+        <p:txBody>
+          <a:bodyPr rtlCol="0" anchor="ctr"/>
+          <a:lstStyle/>
+          <a:p>
+            <a:pPr algn="ctr"/>
+            <a:endParaRPr lang="en-US"/>
+          </a:p>
+        </p:txBody>
+      </p:sp>
+      <p:pic>
+        <p:nvPicPr>
+          <p:cNvPr id="5" name="Picture 4" descr="Diagram, shape&#10;&#10;Description automatically generated">
+            <a:extLst>
+              <a:ext uri="{FF2B5EF4-FFF2-40B4-BE49-F238E27FC236}">
+                <a16:creationId xmlns:a16="http://schemas.microsoft.com/office/drawing/2014/main" id="{4E5504B2-F04A-E545-AAF0-DED49AA76FDC}"/>
+              </a:ext>
+            </a:extLst>
+          </p:cNvPr>
+          <p:cNvPicPr>
+            <a:picLocks noChangeAspect="1"/>
+          </p:cNvPicPr>
+          <p:nvPr/>
+        </p:nvPicPr>
+        <p:blipFill>
+          <a:blip r:embed="rId2"/>
+          <a:stretch>
+            <a:fillRect/>
+          </a:stretch>
+        </p:blipFill>
+        <p:spPr>
+          <a:xfrm>
+            <a:off x="5456406" y="0"/>
+            <a:ext cx="3994144" cy="6858000"/>
+          </a:xfrm>
+          <a:prstGeom prst="rect">
+            <a:avLst/>
+          </a:prstGeom>
+        </p:spPr>
+      </p:pic>
+    </p:spTree>
+    <p:extLst>
+      <p:ext uri="{BB962C8B-B14F-4D97-AF65-F5344CB8AC3E}">
+        <p14:creationId xmlns:p14="http://schemas.microsoft.com/office/powerpoint/2010/main" val="983626279"/>
+      </p:ext>
+    </p:extLst>
+  </p:cSld>
+  <p:clrMapOvr>
+    <a:masterClrMapping/>
+  </p:clrMapOvr>
+</p:sld>
+</file>
+
+<file path=ppt/slides/slide6.xml><?xml version="1.0" encoding="utf-8"?>
+<p:sld xmlns:a="http://schemas.openxmlformats.org/drawingml/2006/main" xmlns:r="http://schemas.openxmlformats.org/officeDocument/2006/relationships" xmlns:p="http://schemas.openxmlformats.org/presentationml/2006/main">
+  <p:cSld>
+    <p:bg>
+      <p:bgPr>
+        <a:solidFill>
+          <a:schemeClr val="bg1"/>
+        </a:solidFill>
+        <a:effectLst/>
+      </p:bgPr>
+    </p:bg>
+    <p:spTree>
+      <p:nvGrpSpPr>
+        <p:cNvPr id="1" name=""/>
+        <p:cNvGrpSpPr/>
+        <p:nvPr/>
+      </p:nvGrpSpPr>
+      <p:grpSpPr>
+        <a:xfrm>
+          <a:off x="0" y="0"/>
+          <a:ext cx="0" cy="0"/>
+          <a:chOff x="0" y="0"/>
+          <a:chExt cx="0" cy="0"/>
+        </a:xfrm>
+      </p:grpSpPr>
+      <p:sp>
+        <p:nvSpPr>
+          <p:cNvPr id="40" name="Rectangle 6">
+            <a:extLst>
+              <a:ext uri="{FF2B5EF4-FFF2-40B4-BE49-F238E27FC236}">
+                <a16:creationId xmlns:a16="http://schemas.microsoft.com/office/drawing/2014/main" id="{DA381740-063A-41A4-836D-85D14980EEF0}"/>
+              </a:ext>
+              <a:ext uri="{C183D7F6-B498-43B3-948B-1728B52AA6E4}">
+                <adec:decorative xmlns:adec="http://schemas.microsoft.com/office/drawing/2017/decorative" val="1"/>
+              </a:ext>
+            </a:extLst>
+          </p:cNvPr>
+          <p:cNvSpPr>
+            <a:spLocks noGrp="1" noRot="1" noChangeAspect="1" noMove="1" noResize="1" noEditPoints="1" noAdjustHandles="1" noChangeArrowheads="1" noChangeShapeType="1" noTextEdit="1"/>
+          </p:cNvSpPr>
+          <p:nvPr>
+            <p:extLst>
+              <p:ext uri="{386F3935-93C4-4BCD-93E2-E3B085C9AB24}">
+                <p16:designElem xmlns:p16="http://schemas.microsoft.com/office/powerpoint/2015/main" val="1"/>
+              </p:ext>
+            </p:extLst>
+          </p:nvPr>
+        </p:nvSpPr>
+        <p:spPr>
+          <a:xfrm>
+            <a:off x="838200" y="4736883"/>
+            <a:ext cx="4243589" cy="27432"/>
+          </a:xfrm>
+          <a:custGeom>
+            <a:avLst/>
+            <a:gdLst>
+              <a:gd name="connsiteX0" fmla="*/ 0 w 4243589"/>
+              <a:gd name="connsiteY0" fmla="*/ 0 h 27432"/>
+              <a:gd name="connsiteX1" fmla="*/ 563791 w 4243589"/>
+              <a:gd name="connsiteY1" fmla="*/ 0 h 27432"/>
+              <a:gd name="connsiteX2" fmla="*/ 1042710 w 4243589"/>
+              <a:gd name="connsiteY2" fmla="*/ 0 h 27432"/>
+              <a:gd name="connsiteX3" fmla="*/ 1564066 w 4243589"/>
+              <a:gd name="connsiteY3" fmla="*/ 0 h 27432"/>
+              <a:gd name="connsiteX4" fmla="*/ 2212729 w 4243589"/>
+              <a:gd name="connsiteY4" fmla="*/ 0 h 27432"/>
+              <a:gd name="connsiteX5" fmla="*/ 2776520 w 4243589"/>
+              <a:gd name="connsiteY5" fmla="*/ 0 h 27432"/>
+              <a:gd name="connsiteX6" fmla="*/ 3297875 w 4243589"/>
+              <a:gd name="connsiteY6" fmla="*/ 0 h 27432"/>
+              <a:gd name="connsiteX7" fmla="*/ 4243589 w 4243589"/>
+              <a:gd name="connsiteY7" fmla="*/ 0 h 27432"/>
+              <a:gd name="connsiteX8" fmla="*/ 4243589 w 4243589"/>
+              <a:gd name="connsiteY8" fmla="*/ 27432 h 27432"/>
+              <a:gd name="connsiteX9" fmla="*/ 3637362 w 4243589"/>
+              <a:gd name="connsiteY9" fmla="*/ 27432 h 27432"/>
+              <a:gd name="connsiteX10" fmla="*/ 3116007 w 4243589"/>
+              <a:gd name="connsiteY10" fmla="*/ 27432 h 27432"/>
+              <a:gd name="connsiteX11" fmla="*/ 2424908 w 4243589"/>
+              <a:gd name="connsiteY11" fmla="*/ 27432 h 27432"/>
+              <a:gd name="connsiteX12" fmla="*/ 1861117 w 4243589"/>
+              <a:gd name="connsiteY12" fmla="*/ 27432 h 27432"/>
+              <a:gd name="connsiteX13" fmla="*/ 1382198 w 4243589"/>
+              <a:gd name="connsiteY13" fmla="*/ 27432 h 27432"/>
+              <a:gd name="connsiteX14" fmla="*/ 733535 w 4243589"/>
+              <a:gd name="connsiteY14" fmla="*/ 27432 h 27432"/>
+              <a:gd name="connsiteX15" fmla="*/ 0 w 4243589"/>
+              <a:gd name="connsiteY15" fmla="*/ 27432 h 27432"/>
+              <a:gd name="connsiteX16" fmla="*/ 0 w 4243589"/>
+              <a:gd name="connsiteY16" fmla="*/ 0 h 27432"/>
+            </a:gdLst>
+            <a:ahLst/>
+            <a:cxnLst>
+              <a:cxn ang="0">
+                <a:pos x="connsiteX0" y="connsiteY0"/>
+              </a:cxn>
+              <a:cxn ang="0">
+                <a:pos x="connsiteX1" y="connsiteY1"/>
+              </a:cxn>
+              <a:cxn ang="0">
+                <a:pos x="connsiteX2" y="connsiteY2"/>
+              </a:cxn>
+              <a:cxn ang="0">
+                <a:pos x="connsiteX3" y="connsiteY3"/>
+              </a:cxn>
+              <a:cxn ang="0">
+                <a:pos x="connsiteX4" y="connsiteY4"/>
+              </a:cxn>
+              <a:cxn ang="0">
+                <a:pos x="connsiteX5" y="connsiteY5"/>
+              </a:cxn>
+              <a:cxn ang="0">
+                <a:pos x="connsiteX6" y="connsiteY6"/>
+              </a:cxn>
+              <a:cxn ang="0">
+                <a:pos x="connsiteX7" y="connsiteY7"/>
+              </a:cxn>
+              <a:cxn ang="0">
+                <a:pos x="connsiteX8" y="connsiteY8"/>
+              </a:cxn>
+              <a:cxn ang="0">
+                <a:pos x="connsiteX9" y="connsiteY9"/>
+              </a:cxn>
+              <a:cxn ang="0">
+                <a:pos x="connsiteX10" y="connsiteY10"/>
+              </a:cxn>
+              <a:cxn ang="0">
+                <a:pos x="connsiteX11" y="connsiteY11"/>
+              </a:cxn>
+              <a:cxn ang="0">
+                <a:pos x="connsiteX12" y="connsiteY12"/>
+              </a:cxn>
+              <a:cxn ang="0">
+                <a:pos x="connsiteX13" y="connsiteY13"/>
+              </a:cxn>
+              <a:cxn ang="0">
+                <a:pos x="connsiteX14" y="connsiteY14"/>
+              </a:cxn>
+              <a:cxn ang="0">
+                <a:pos x="connsiteX15" y="connsiteY15"/>
+              </a:cxn>
+              <a:cxn ang="0">
+                <a:pos x="connsiteX16" y="connsiteY16"/>
+              </a:cxn>
+            </a:cxnLst>
+            <a:rect l="l" t="t" r="r" b="b"/>
+            <a:pathLst>
+              <a:path w="4243589" h="27432" fill="none" extrusionOk="0">
+                <a:moveTo>
+                  <a:pt x="0" y="0"/>
+                </a:moveTo>
+                <a:cubicBezTo>
+                  <a:pt x="157351" y="-15653"/>
+                  <a:pt x="378877" y="-5828"/>
+                  <a:pt x="563791" y="0"/>
+                </a:cubicBezTo>
+                <a:cubicBezTo>
+                  <a:pt x="748705" y="5828"/>
+                  <a:pt x="905659" y="-5525"/>
+                  <a:pt x="1042710" y="0"/>
+                </a:cubicBezTo>
+                <a:cubicBezTo>
+                  <a:pt x="1179761" y="5525"/>
+                  <a:pt x="1356845" y="-21288"/>
+                  <a:pt x="1564066" y="0"/>
+                </a:cubicBezTo>
+                <a:cubicBezTo>
+                  <a:pt x="1771287" y="21288"/>
+                  <a:pt x="1912099" y="25135"/>
+                  <a:pt x="2212729" y="0"/>
+                </a:cubicBezTo>
+                <a:cubicBezTo>
+                  <a:pt x="2513359" y="-25135"/>
+                  <a:pt x="2514918" y="-27119"/>
+                  <a:pt x="2776520" y="0"/>
+                </a:cubicBezTo>
+                <a:cubicBezTo>
+                  <a:pt x="3038122" y="27119"/>
+                  <a:pt x="3178771" y="18116"/>
+                  <a:pt x="3297875" y="0"/>
+                </a:cubicBezTo>
+                <a:cubicBezTo>
+                  <a:pt x="3416980" y="-18116"/>
+                  <a:pt x="4012240" y="-40869"/>
+                  <a:pt x="4243589" y="0"/>
+                </a:cubicBezTo>
+                <a:cubicBezTo>
+                  <a:pt x="4242616" y="8304"/>
+                  <a:pt x="4243111" y="21512"/>
+                  <a:pt x="4243589" y="27432"/>
+                </a:cubicBezTo>
+                <a:cubicBezTo>
+                  <a:pt x="4112949" y="6289"/>
+                  <a:pt x="3928037" y="10975"/>
+                  <a:pt x="3637362" y="27432"/>
+                </a:cubicBezTo>
+                <a:cubicBezTo>
+                  <a:pt x="3346687" y="43889"/>
+                  <a:pt x="3254446" y="35813"/>
+                  <a:pt x="3116007" y="27432"/>
+                </a:cubicBezTo>
+                <a:cubicBezTo>
+                  <a:pt x="2977569" y="19051"/>
+                  <a:pt x="2620228" y="38017"/>
+                  <a:pt x="2424908" y="27432"/>
+                </a:cubicBezTo>
+                <a:cubicBezTo>
+                  <a:pt x="2229588" y="16847"/>
+                  <a:pt x="2088287" y="5290"/>
+                  <a:pt x="1861117" y="27432"/>
+                </a:cubicBezTo>
+                <a:cubicBezTo>
+                  <a:pt x="1633947" y="49574"/>
+                  <a:pt x="1502447" y="8273"/>
+                  <a:pt x="1382198" y="27432"/>
+                </a:cubicBezTo>
+                <a:cubicBezTo>
+                  <a:pt x="1261949" y="46591"/>
+                  <a:pt x="1045440" y="37497"/>
+                  <a:pt x="733535" y="27432"/>
+                </a:cubicBezTo>
+                <a:cubicBezTo>
+                  <a:pt x="421630" y="17367"/>
+                  <a:pt x="341257" y="-9215"/>
+                  <a:pt x="0" y="27432"/>
+                </a:cubicBezTo>
+                <a:cubicBezTo>
+                  <a:pt x="-1048" y="14992"/>
+                  <a:pt x="-1120" y="7447"/>
+                  <a:pt x="0" y="0"/>
+                </a:cubicBezTo>
+                <a:close/>
+              </a:path>
+              <a:path w="4243589" h="27432" stroke="0" extrusionOk="0">
+                <a:moveTo>
+                  <a:pt x="0" y="0"/>
+                </a:moveTo>
+                <a:cubicBezTo>
+                  <a:pt x="128164" y="17204"/>
+                  <a:pt x="312653" y="1129"/>
+                  <a:pt x="563791" y="0"/>
+                </a:cubicBezTo>
+                <a:cubicBezTo>
+                  <a:pt x="814929" y="-1129"/>
+                  <a:pt x="837271" y="8503"/>
+                  <a:pt x="1042710" y="0"/>
+                </a:cubicBezTo>
+                <a:cubicBezTo>
+                  <a:pt x="1248149" y="-8503"/>
+                  <a:pt x="1588432" y="-28862"/>
+                  <a:pt x="1733809" y="0"/>
+                </a:cubicBezTo>
+                <a:cubicBezTo>
+                  <a:pt x="1879186" y="28862"/>
+                  <a:pt x="2052815" y="5974"/>
+                  <a:pt x="2297600" y="0"/>
+                </a:cubicBezTo>
+                <a:cubicBezTo>
+                  <a:pt x="2542385" y="-5974"/>
+                  <a:pt x="2699960" y="-23550"/>
+                  <a:pt x="2861391" y="0"/>
+                </a:cubicBezTo>
+                <a:cubicBezTo>
+                  <a:pt x="3022822" y="23550"/>
+                  <a:pt x="3390411" y="25272"/>
+                  <a:pt x="3552490" y="0"/>
+                </a:cubicBezTo>
+                <a:cubicBezTo>
+                  <a:pt x="3714569" y="-25272"/>
+                  <a:pt x="3950585" y="-31327"/>
+                  <a:pt x="4243589" y="0"/>
+                </a:cubicBezTo>
+                <a:cubicBezTo>
+                  <a:pt x="4244074" y="9333"/>
+                  <a:pt x="4244867" y="19699"/>
+                  <a:pt x="4243589" y="27432"/>
+                </a:cubicBezTo>
+                <a:cubicBezTo>
+                  <a:pt x="4130424" y="7904"/>
+                  <a:pt x="3932803" y="51393"/>
+                  <a:pt x="3722234" y="27432"/>
+                </a:cubicBezTo>
+                <a:cubicBezTo>
+                  <a:pt x="3511665" y="3471"/>
+                  <a:pt x="3269903" y="55138"/>
+                  <a:pt x="3116007" y="27432"/>
+                </a:cubicBezTo>
+                <a:cubicBezTo>
+                  <a:pt x="2962111" y="-274"/>
+                  <a:pt x="2744280" y="32368"/>
+                  <a:pt x="2509780" y="27432"/>
+                </a:cubicBezTo>
+                <a:cubicBezTo>
+                  <a:pt x="2275280" y="22496"/>
+                  <a:pt x="2066059" y="52808"/>
+                  <a:pt x="1945989" y="27432"/>
+                </a:cubicBezTo>
+                <a:cubicBezTo>
+                  <a:pt x="1825919" y="2056"/>
+                  <a:pt x="1407329" y="21760"/>
+                  <a:pt x="1254890" y="27432"/>
+                </a:cubicBezTo>
+                <a:cubicBezTo>
+                  <a:pt x="1102451" y="33104"/>
+                  <a:pt x="837950" y="40817"/>
+                  <a:pt x="563791" y="27432"/>
+                </a:cubicBezTo>
+                <a:cubicBezTo>
+                  <a:pt x="289632" y="14047"/>
+                  <a:pt x="132768" y="16249"/>
+                  <a:pt x="0" y="27432"/>
+                </a:cubicBezTo>
+                <a:cubicBezTo>
+                  <a:pt x="211" y="18145"/>
+                  <a:pt x="120" y="6480"/>
+                  <a:pt x="0" y="0"/>
+                </a:cubicBezTo>
+                <a:close/>
+              </a:path>
+            </a:pathLst>
+          </a:custGeom>
+          <a:solidFill>
+            <a:schemeClr val="tx1"/>
+          </a:solidFill>
+          <a:ln w="38100" cap="rnd">
+            <a:solidFill>
+              <a:schemeClr val="tx1"/>
+            </a:solidFill>
+            <a:round/>
+            <a:extLst>
+              <a:ext uri="{C807C97D-BFC1-408E-A445-0C87EB9F89A2}">
+                <ask:lineSketchStyleProps xmlns:ask="http://schemas.microsoft.com/office/drawing/2018/sketchyshapes" sd="1219033472">
+                  <a:prstGeom prst="rect">
+                    <a:avLst/>
+                  </a:prstGeom>
+                  <ask:type>
+                    <ask:lineSketchFreehand/>
+                  </ask:type>
+                </ask:lineSketchStyleProps>
+              </a:ext>
+            </a:extLst>
+          </a:ln>
+        </p:spPr>
+        <p:style>
+          <a:lnRef idx="2">
+            <a:schemeClr val="accent1">
+              <a:shade val="50000"/>
+            </a:schemeClr>
+          </a:lnRef>
+          <a:fillRef idx="1">
+            <a:schemeClr val="accent1"/>
+          </a:fillRef>
+          <a:effectRef idx="0">
+            <a:schemeClr val="accent1"/>
+          </a:effectRef>
+          <a:fontRef idx="minor">
+            <a:schemeClr val="lt1"/>
+          </a:fontRef>
+        </p:style>
+        <p:txBody>
+          <a:bodyPr rtlCol="0" anchor="ctr"/>
+          <a:lstStyle/>
+          <a:p>
+            <a:pPr algn="ctr"/>
+            <a:endParaRPr lang="en-US">
+              <a:solidFill>
+                <a:schemeClr val="tx1"/>
+              </a:solidFill>
+            </a:endParaRPr>
+          </a:p>
+        </p:txBody>
+      </p:sp>
+      <p:sp useBgFill="1">
+        <p:nvSpPr>
           <p:cNvPr id="42" name="Rectangle 41">
             <a:extLst>
               <a:ext uri="{FF2B5EF4-FFF2-40B4-BE49-F238E27FC236}">
@@ -8895,7 +11813,7 @@
 </p:sld>
 </file>
 
-<file path=ppt/slides/slide4.xml><?xml version="1.0" encoding="utf-8"?>
+<file path=ppt/slides/slide7.xml><?xml version="1.0" encoding="utf-8"?>
 <p:sld xmlns:a="http://schemas.openxmlformats.org/drawingml/2006/main" xmlns:r="http://schemas.openxmlformats.org/officeDocument/2006/relationships" xmlns:p="http://schemas.openxmlformats.org/presentationml/2006/main">
   <p:cSld>
     <p:bg>
